--- a/這裡有榮耀(崇拜版).pptx
+++ b/這裡有榮耀(崇拜版).pptx
@@ -10,7 +10,7 @@
     <p:sldId id="259" r:id="rId4"/>
     <p:sldId id="260" r:id="rId5"/>
   </p:sldIdLst>
-  <p:sldSz cx="9144000" cy="6858000" type="screen4x3"/>
+  <p:sldSz cx="9144000" cy="5143500" type="screen16x9"/>
   <p:notesSz cx="6858000" cy="9144000"/>
   <p:defaultTextStyle>
     <a:defPPr>
@@ -139,8 +139,8 @@
         </p:nvSpPr>
         <p:spPr>
           <a:xfrm>
-            <a:off x="685800" y="2130425"/>
-            <a:ext cx="7772400" cy="1470025"/>
+            <a:off x="685800" y="1597819"/>
+            <a:ext cx="7772400" cy="1102519"/>
           </a:xfrm>
         </p:spPr>
         <p:txBody>
@@ -167,8 +167,8 @@
         </p:nvSpPr>
         <p:spPr>
           <a:xfrm>
-            <a:off x="1371600" y="3886200"/>
-            <a:ext cx="6400800" cy="1752600"/>
+            <a:off x="1371600" y="2914650"/>
+            <a:ext cx="6400800" cy="1314450"/>
           </a:xfrm>
         </p:spPr>
         <p:txBody>
@@ -292,7 +292,7 @@
             <a:fld id="{C4B8D84C-D8B6-449A-BCAD-2C522ABB8DE8}" type="datetimeFigureOut">
               <a:rPr lang="zh-TW" altLang="en-US" smtClean="0"/>
               <a:pPr/>
-              <a:t>2018/11/24</a:t>
+              <a:t>2019/7/13</a:t>
             </a:fld>
             <a:endParaRPr lang="zh-TW" altLang="en-US"/>
           </a:p>
@@ -459,7 +459,7 @@
             <a:fld id="{C4B8D84C-D8B6-449A-BCAD-2C522ABB8DE8}" type="datetimeFigureOut">
               <a:rPr lang="zh-TW" altLang="en-US" smtClean="0"/>
               <a:pPr/>
-              <a:t>2018/11/24</a:t>
+              <a:t>2019/7/13</a:t>
             </a:fld>
             <a:endParaRPr lang="zh-TW" altLang="en-US"/>
           </a:p>
@@ -545,8 +545,8 @@
         </p:nvSpPr>
         <p:spPr>
           <a:xfrm>
-            <a:off x="6629400" y="274638"/>
-            <a:ext cx="2057400" cy="5851525"/>
+            <a:off x="6629400" y="205979"/>
+            <a:ext cx="2057400" cy="4388644"/>
           </a:xfrm>
         </p:spPr>
         <p:txBody>
@@ -573,8 +573,8 @@
         </p:nvSpPr>
         <p:spPr>
           <a:xfrm>
-            <a:off x="457200" y="274638"/>
-            <a:ext cx="6019800" cy="5851525"/>
+            <a:off x="457200" y="205979"/>
+            <a:ext cx="6019800" cy="4388644"/>
           </a:xfrm>
         </p:spPr>
         <p:txBody>
@@ -636,7 +636,7 @@
             <a:fld id="{C4B8D84C-D8B6-449A-BCAD-2C522ABB8DE8}" type="datetimeFigureOut">
               <a:rPr lang="zh-TW" altLang="en-US" smtClean="0"/>
               <a:pPr/>
-              <a:t>2018/11/24</a:t>
+              <a:t>2019/7/13</a:t>
             </a:fld>
             <a:endParaRPr lang="zh-TW" altLang="en-US"/>
           </a:p>
@@ -803,7 +803,7 @@
             <a:fld id="{C4B8D84C-D8B6-449A-BCAD-2C522ABB8DE8}" type="datetimeFigureOut">
               <a:rPr lang="zh-TW" altLang="en-US" smtClean="0"/>
               <a:pPr/>
-              <a:t>2018/11/24</a:t>
+              <a:t>2019/7/13</a:t>
             </a:fld>
             <a:endParaRPr lang="zh-TW" altLang="en-US"/>
           </a:p>
@@ -889,8 +889,8 @@
         </p:nvSpPr>
         <p:spPr>
           <a:xfrm>
-            <a:off x="722313" y="4406900"/>
-            <a:ext cx="7772400" cy="1362075"/>
+            <a:off x="722313" y="3305176"/>
+            <a:ext cx="7772400" cy="1021556"/>
           </a:xfrm>
         </p:spPr>
         <p:txBody>
@@ -921,8 +921,8 @@
         </p:nvSpPr>
         <p:spPr>
           <a:xfrm>
-            <a:off x="722313" y="2906713"/>
-            <a:ext cx="7772400" cy="1500187"/>
+            <a:off x="722313" y="2180035"/>
+            <a:ext cx="7772400" cy="1125140"/>
           </a:xfrm>
         </p:spPr>
         <p:txBody>
@@ -1046,7 +1046,7 @@
             <a:fld id="{C4B8D84C-D8B6-449A-BCAD-2C522ABB8DE8}" type="datetimeFigureOut">
               <a:rPr lang="zh-TW" altLang="en-US" smtClean="0"/>
               <a:pPr/>
-              <a:t>2018/11/24</a:t>
+              <a:t>2019/7/13</a:t>
             </a:fld>
             <a:endParaRPr lang="zh-TW" altLang="en-US"/>
           </a:p>
@@ -1155,8 +1155,8 @@
         </p:nvSpPr>
         <p:spPr>
           <a:xfrm>
-            <a:off x="457200" y="1600200"/>
-            <a:ext cx="4038600" cy="4525963"/>
+            <a:off x="457200" y="1200151"/>
+            <a:ext cx="4038600" cy="3394472"/>
           </a:xfrm>
         </p:spPr>
         <p:txBody>
@@ -1240,8 +1240,8 @@
         </p:nvSpPr>
         <p:spPr>
           <a:xfrm>
-            <a:off x="4648200" y="1600200"/>
-            <a:ext cx="4038600" cy="4525963"/>
+            <a:off x="4648200" y="1200151"/>
+            <a:ext cx="4038600" cy="3394472"/>
           </a:xfrm>
         </p:spPr>
         <p:txBody>
@@ -1331,7 +1331,7 @@
             <a:fld id="{C4B8D84C-D8B6-449A-BCAD-2C522ABB8DE8}" type="datetimeFigureOut">
               <a:rPr lang="zh-TW" altLang="en-US" smtClean="0"/>
               <a:pPr/>
-              <a:t>2018/11/24</a:t>
+              <a:t>2019/7/13</a:t>
             </a:fld>
             <a:endParaRPr lang="zh-TW" altLang="en-US"/>
           </a:p>
@@ -1444,8 +1444,8 @@
         </p:nvSpPr>
         <p:spPr>
           <a:xfrm>
-            <a:off x="457200" y="1535113"/>
-            <a:ext cx="4040188" cy="639762"/>
+            <a:off x="457200" y="1151335"/>
+            <a:ext cx="4040188" cy="479822"/>
           </a:xfrm>
         </p:spPr>
         <p:txBody>
@@ -1509,8 +1509,8 @@
         </p:nvSpPr>
         <p:spPr>
           <a:xfrm>
-            <a:off x="457200" y="2174875"/>
-            <a:ext cx="4040188" cy="3951288"/>
+            <a:off x="457200" y="1631156"/>
+            <a:ext cx="4040188" cy="2963466"/>
           </a:xfrm>
         </p:spPr>
         <p:txBody>
@@ -1594,8 +1594,8 @@
         </p:nvSpPr>
         <p:spPr>
           <a:xfrm>
-            <a:off x="4645025" y="1535113"/>
-            <a:ext cx="4041775" cy="639762"/>
+            <a:off x="4645026" y="1151335"/>
+            <a:ext cx="4041775" cy="479822"/>
           </a:xfrm>
         </p:spPr>
         <p:txBody>
@@ -1659,8 +1659,8 @@
         </p:nvSpPr>
         <p:spPr>
           <a:xfrm>
-            <a:off x="4645025" y="2174875"/>
-            <a:ext cx="4041775" cy="3951288"/>
+            <a:off x="4645026" y="1631156"/>
+            <a:ext cx="4041775" cy="2963466"/>
           </a:xfrm>
         </p:spPr>
         <p:txBody>
@@ -1750,7 +1750,7 @@
             <a:fld id="{C4B8D84C-D8B6-449A-BCAD-2C522ABB8DE8}" type="datetimeFigureOut">
               <a:rPr lang="zh-TW" altLang="en-US" smtClean="0"/>
               <a:pPr/>
-              <a:t>2018/11/24</a:t>
+              <a:t>2019/7/13</a:t>
             </a:fld>
             <a:endParaRPr lang="zh-TW" altLang="en-US"/>
           </a:p>
@@ -1865,7 +1865,7 @@
             <a:fld id="{C4B8D84C-D8B6-449A-BCAD-2C522ABB8DE8}" type="datetimeFigureOut">
               <a:rPr lang="zh-TW" altLang="en-US" smtClean="0"/>
               <a:pPr/>
-              <a:t>2018/11/24</a:t>
+              <a:t>2019/7/13</a:t>
             </a:fld>
             <a:endParaRPr lang="zh-TW" altLang="en-US"/>
           </a:p>
@@ -1957,7 +1957,7 @@
             <a:fld id="{C4B8D84C-D8B6-449A-BCAD-2C522ABB8DE8}" type="datetimeFigureOut">
               <a:rPr lang="zh-TW" altLang="en-US" smtClean="0"/>
               <a:pPr/>
-              <a:t>2018/11/24</a:t>
+              <a:t>2019/7/13</a:t>
             </a:fld>
             <a:endParaRPr lang="zh-TW" altLang="en-US"/>
           </a:p>
@@ -2043,8 +2043,8 @@
         </p:nvSpPr>
         <p:spPr>
           <a:xfrm>
-            <a:off x="457200" y="273050"/>
-            <a:ext cx="3008313" cy="1162050"/>
+            <a:off x="457201" y="204787"/>
+            <a:ext cx="3008313" cy="871538"/>
           </a:xfrm>
         </p:spPr>
         <p:txBody>
@@ -2075,8 +2075,8 @@
         </p:nvSpPr>
         <p:spPr>
           <a:xfrm>
-            <a:off x="3575050" y="273050"/>
-            <a:ext cx="5111750" cy="5853113"/>
+            <a:off x="3575050" y="204788"/>
+            <a:ext cx="5111750" cy="4389835"/>
           </a:xfrm>
         </p:spPr>
         <p:txBody>
@@ -2160,8 +2160,8 @@
         </p:nvSpPr>
         <p:spPr>
           <a:xfrm>
-            <a:off x="457200" y="1435100"/>
-            <a:ext cx="3008313" cy="4691063"/>
+            <a:off x="457201" y="1076326"/>
+            <a:ext cx="3008313" cy="3518297"/>
           </a:xfrm>
         </p:spPr>
         <p:txBody>
@@ -2231,7 +2231,7 @@
             <a:fld id="{C4B8D84C-D8B6-449A-BCAD-2C522ABB8DE8}" type="datetimeFigureOut">
               <a:rPr lang="zh-TW" altLang="en-US" smtClean="0"/>
               <a:pPr/>
-              <a:t>2018/11/24</a:t>
+              <a:t>2019/7/13</a:t>
             </a:fld>
             <a:endParaRPr lang="zh-TW" altLang="en-US"/>
           </a:p>
@@ -2317,8 +2317,8 @@
         </p:nvSpPr>
         <p:spPr>
           <a:xfrm>
-            <a:off x="1792288" y="4800600"/>
-            <a:ext cx="5486400" cy="566738"/>
+            <a:off x="1792288" y="3600450"/>
+            <a:ext cx="5486400" cy="425054"/>
           </a:xfrm>
         </p:spPr>
         <p:txBody>
@@ -2349,8 +2349,8 @@
         </p:nvSpPr>
         <p:spPr>
           <a:xfrm>
-            <a:off x="1792288" y="612775"/>
-            <a:ext cx="5486400" cy="4114800"/>
+            <a:off x="1792288" y="459581"/>
+            <a:ext cx="5486400" cy="3086100"/>
           </a:xfrm>
         </p:spPr>
         <p:txBody>
@@ -2414,8 +2414,8 @@
         </p:nvSpPr>
         <p:spPr>
           <a:xfrm>
-            <a:off x="1792288" y="5367338"/>
-            <a:ext cx="5486400" cy="804862"/>
+            <a:off x="1792288" y="4025503"/>
+            <a:ext cx="5486400" cy="603647"/>
           </a:xfrm>
         </p:spPr>
         <p:txBody>
@@ -2485,7 +2485,7 @@
             <a:fld id="{C4B8D84C-D8B6-449A-BCAD-2C522ABB8DE8}" type="datetimeFigureOut">
               <a:rPr lang="zh-TW" altLang="en-US" smtClean="0"/>
               <a:pPr/>
-              <a:t>2018/11/24</a:t>
+              <a:t>2019/7/13</a:t>
             </a:fld>
             <a:endParaRPr lang="zh-TW" altLang="en-US"/>
           </a:p>
@@ -2581,8 +2581,8 @@
         </p:nvSpPr>
         <p:spPr>
           <a:xfrm>
-            <a:off x="457200" y="274638"/>
-            <a:ext cx="8229600" cy="1143000"/>
+            <a:off x="457200" y="205979"/>
+            <a:ext cx="8229600" cy="857250"/>
           </a:xfrm>
           <a:prstGeom prst="rect">
             <a:avLst/>
@@ -2614,8 +2614,8 @@
         </p:nvSpPr>
         <p:spPr>
           <a:xfrm>
-            <a:off x="457200" y="1600200"/>
-            <a:ext cx="8229600" cy="4525963"/>
+            <a:off x="457200" y="1200151"/>
+            <a:ext cx="8229600" cy="3394472"/>
           </a:xfrm>
           <a:prstGeom prst="rect">
             <a:avLst/>
@@ -2676,8 +2676,8 @@
         </p:nvSpPr>
         <p:spPr>
           <a:xfrm>
-            <a:off x="457200" y="6356350"/>
-            <a:ext cx="2133600" cy="365125"/>
+            <a:off x="457200" y="4767263"/>
+            <a:ext cx="2133600" cy="273844"/>
           </a:xfrm>
           <a:prstGeom prst="rect">
             <a:avLst/>
@@ -2700,7 +2700,7 @@
             <a:fld id="{C4B8D84C-D8B6-449A-BCAD-2C522ABB8DE8}" type="datetimeFigureOut">
               <a:rPr lang="zh-TW" altLang="en-US" smtClean="0"/>
               <a:pPr/>
-              <a:t>2018/11/24</a:t>
+              <a:t>2019/7/13</a:t>
             </a:fld>
             <a:endParaRPr lang="zh-TW" altLang="en-US"/>
           </a:p>
@@ -2718,8 +2718,8 @@
         </p:nvSpPr>
         <p:spPr>
           <a:xfrm>
-            <a:off x="3124200" y="6356350"/>
-            <a:ext cx="2895600" cy="365125"/>
+            <a:off x="3124200" y="4767263"/>
+            <a:ext cx="2895600" cy="273844"/>
           </a:xfrm>
           <a:prstGeom prst="rect">
             <a:avLst/>
@@ -2755,8 +2755,8 @@
         </p:nvSpPr>
         <p:spPr>
           <a:xfrm>
-            <a:off x="6553200" y="6356350"/>
-            <a:ext cx="2133600" cy="365125"/>
+            <a:off x="6553200" y="4767263"/>
+            <a:ext cx="2133600" cy="273844"/>
           </a:xfrm>
           <a:prstGeom prst="rect">
             <a:avLst/>
@@ -3083,11 +3083,13 @@
         </p:nvSpPr>
         <p:spPr/>
         <p:txBody>
-          <a:bodyPr/>
-          <a:lstStyle/>
-          <a:p>
-            <a:r>
-              <a:rPr lang="zh-TW" altLang="en-US" b="1" dirty="0">
+          <a:bodyPr>
+            <a:normAutofit/>
+          </a:bodyPr>
+          <a:lstStyle/>
+          <a:p>
+            <a:r>
+              <a:rPr lang="zh-TW" altLang="en-US" sz="4000" b="1" dirty="0">
                 <a:solidFill>
                   <a:srgbClr val="660033"/>
                 </a:solidFill>
@@ -3109,7 +3111,12 @@
             <p:ph idx="1"/>
           </p:nvPr>
         </p:nvSpPr>
-        <p:spPr/>
+        <p:spPr>
+          <a:xfrm>
+            <a:off x="35496" y="1200151"/>
+            <a:ext cx="9108504" cy="3394472"/>
+          </a:xfrm>
+        </p:spPr>
         <p:txBody>
           <a:bodyPr>
             <a:normAutofit/>
@@ -3120,7 +3127,7 @@
               <a:buNone/>
             </a:pPr>
             <a:r>
-              <a:rPr lang="zh-TW" altLang="en-US" sz="5400" b="1" dirty="0">
+              <a:rPr lang="zh-TW" altLang="en-US" sz="4400" b="1" dirty="0">
                 <a:solidFill>
                   <a:srgbClr val="660033"/>
                 </a:solidFill>
@@ -3130,7 +3137,7 @@
               <a:t>哈利路</a:t>
             </a:r>
             <a:r>
-              <a:rPr lang="zh-TW" altLang="en-US" sz="5400" b="1" dirty="0" smtClean="0">
+              <a:rPr lang="zh-TW" altLang="en-US" sz="4400" b="1" dirty="0" smtClean="0">
                 <a:solidFill>
                   <a:srgbClr val="660033"/>
                 </a:solidFill>
@@ -3140,7 +3147,7 @@
               <a:t>亞   哈</a:t>
             </a:r>
             <a:r>
-              <a:rPr lang="zh-TW" altLang="en-US" sz="5400" b="1" dirty="0">
+              <a:rPr lang="zh-TW" altLang="en-US" sz="4400" b="1" dirty="0">
                 <a:solidFill>
                   <a:srgbClr val="660033"/>
                 </a:solidFill>
@@ -3150,7 +3157,7 @@
               <a:t>利路</a:t>
             </a:r>
             <a:r>
-              <a:rPr lang="zh-TW" altLang="en-US" sz="5400" b="1" dirty="0" smtClean="0">
+              <a:rPr lang="zh-TW" altLang="en-US" sz="4400" b="1" dirty="0" smtClean="0">
                 <a:solidFill>
                   <a:srgbClr val="660033"/>
                 </a:solidFill>
@@ -3159,7 +3166,72 @@
               </a:rPr>
               <a:t>亞</a:t>
             </a:r>
-            <a:endParaRPr lang="en-US" altLang="zh-TW" sz="5400" b="1" dirty="0" smtClean="0">
+            <a:r>
+              <a:rPr lang="en-US" altLang="zh-TW" sz="4400" b="1" dirty="0">
+                <a:solidFill>
+                  <a:srgbClr val="660033"/>
+                </a:solidFill>
+                <a:latin typeface="微軟正黑體" pitchFamily="34" charset="-120"/>
+                <a:ea typeface="微軟正黑體" pitchFamily="34" charset="-120"/>
+              </a:rPr>
+              <a:t> </a:t>
+            </a:r>
+            <a:r>
+              <a:rPr lang="en-US" altLang="zh-TW" sz="4400" b="1" dirty="0" smtClean="0">
+                <a:solidFill>
+                  <a:srgbClr val="660033"/>
+                </a:solidFill>
+                <a:latin typeface="微軟正黑體" pitchFamily="34" charset="-120"/>
+                <a:ea typeface="微軟正黑體" pitchFamily="34" charset="-120"/>
+              </a:rPr>
+              <a:t> </a:t>
+            </a:r>
+          </a:p>
+          <a:p>
+            <a:pPr algn="ctr">
+              <a:buNone/>
+            </a:pPr>
+            <a:r>
+              <a:rPr lang="zh-TW" altLang="en-US" sz="4400" b="1" dirty="0" smtClean="0">
+                <a:solidFill>
+                  <a:srgbClr val="660033"/>
+                </a:solidFill>
+                <a:latin typeface="微軟正黑體" pitchFamily="34" charset="-120"/>
+                <a:ea typeface="微軟正黑體" pitchFamily="34" charset="-120"/>
+              </a:rPr>
+              <a:t>這</a:t>
+            </a:r>
+            <a:r>
+              <a:rPr lang="zh-TW" altLang="en-US" sz="4400" b="1" dirty="0" smtClean="0">
+                <a:solidFill>
+                  <a:srgbClr val="660033"/>
+                </a:solidFill>
+                <a:latin typeface="微軟正黑體" pitchFamily="34" charset="-120"/>
+                <a:ea typeface="微軟正黑體" pitchFamily="34" charset="-120"/>
+              </a:rPr>
+              <a:t>裡</a:t>
+            </a:r>
+            <a:r>
+              <a:rPr lang="zh-TW" altLang="en-US" sz="4400" b="1" dirty="0">
+                <a:solidFill>
+                  <a:srgbClr val="660033"/>
+                </a:solidFill>
+                <a:latin typeface="微軟正黑體" pitchFamily="34" charset="-120"/>
+                <a:ea typeface="微軟正黑體" pitchFamily="34" charset="-120"/>
+              </a:rPr>
+              <a:t>有</a:t>
+            </a:r>
+            <a:r>
+              <a:rPr lang="zh-TW" altLang="en-US" sz="4400" b="1" dirty="0" smtClean="0">
+                <a:solidFill>
+                  <a:srgbClr val="660033"/>
+                </a:solidFill>
+                <a:latin typeface="微軟正黑體" pitchFamily="34" charset="-120"/>
+                <a:ea typeface="微軟正黑體" pitchFamily="34" charset="-120"/>
+              </a:rPr>
+              <a:t>榮耀</a:t>
+            </a:r>
+            <a:endParaRPr lang="en-US" altLang="zh-TW" sz="4400" b="1" dirty="0">
               <a:solidFill>
                 <a:srgbClr val="660033"/>
               </a:solidFill>
@@ -3172,129 +3244,127 @@
               <a:buNone/>
             </a:pPr>
             <a:r>
-              <a:rPr lang="zh-TW" altLang="en-US" sz="5400" b="1" dirty="0" smtClean="0">
+              <a:rPr lang="zh-TW" altLang="en-US" sz="4400" b="1" dirty="0" smtClean="0">
                 <a:solidFill>
                   <a:srgbClr val="660033"/>
                 </a:solidFill>
                 <a:latin typeface="微軟正黑體" pitchFamily="34" charset="-120"/>
                 <a:ea typeface="微軟正黑體" pitchFamily="34" charset="-120"/>
               </a:rPr>
-              <a:t>這裡</a:t>
-            </a:r>
-            <a:r>
-              <a:rPr lang="zh-TW" altLang="en-US" sz="5400" b="1" dirty="0">
+              <a:t>哈</a:t>
+            </a:r>
+            <a:r>
+              <a:rPr lang="zh-TW" altLang="en-US" sz="4400" b="1" dirty="0">
                 <a:solidFill>
                   <a:srgbClr val="660033"/>
                 </a:solidFill>
                 <a:latin typeface="微軟正黑體" pitchFamily="34" charset="-120"/>
                 <a:ea typeface="微軟正黑體" pitchFamily="34" charset="-120"/>
               </a:rPr>
-              <a:t>有</a:t>
-            </a:r>
-            <a:r>
-              <a:rPr lang="zh-TW" altLang="en-US" sz="5400" b="1" dirty="0" smtClean="0">
+              <a:t>利路</a:t>
+            </a:r>
+            <a:r>
+              <a:rPr lang="zh-TW" altLang="en-US" sz="4400" b="1" dirty="0" smtClean="0">
                 <a:solidFill>
                   <a:srgbClr val="660033"/>
                 </a:solidFill>
                 <a:latin typeface="微軟正黑體" pitchFamily="34" charset="-120"/>
                 <a:ea typeface="微軟正黑體" pitchFamily="34" charset="-120"/>
               </a:rPr>
-              <a:t>榮耀</a:t>
-            </a:r>
-            <a:endParaRPr lang="en-US" altLang="zh-TW" sz="5400" b="1" dirty="0">
+              <a:t>亞   哈</a:t>
+            </a:r>
+            <a:r>
+              <a:rPr lang="zh-TW" altLang="en-US" sz="4400" b="1" dirty="0">
+                <a:solidFill>
+                  <a:srgbClr val="660033"/>
+                </a:solidFill>
+                <a:latin typeface="微軟正黑體" pitchFamily="34" charset="-120"/>
+                <a:ea typeface="微軟正黑體" pitchFamily="34" charset="-120"/>
+              </a:rPr>
+              <a:t>利路</a:t>
+            </a:r>
+            <a:r>
+              <a:rPr lang="zh-TW" altLang="en-US" sz="4400" b="1" dirty="0" smtClean="0">
+                <a:solidFill>
+                  <a:srgbClr val="660033"/>
+                </a:solidFill>
+                <a:latin typeface="微軟正黑體" pitchFamily="34" charset="-120"/>
+                <a:ea typeface="微軟正黑體" pitchFamily="34" charset="-120"/>
+              </a:rPr>
+              <a:t>亞</a:t>
+            </a:r>
+            <a:r>
+              <a:rPr lang="en-US" altLang="zh-TW" sz="4400" b="1" dirty="0">
+                <a:solidFill>
+                  <a:srgbClr val="660033"/>
+                </a:solidFill>
+                <a:latin typeface="微軟正黑體" pitchFamily="34" charset="-120"/>
+                <a:ea typeface="微軟正黑體" pitchFamily="34" charset="-120"/>
+              </a:rPr>
+              <a:t> </a:t>
+            </a:r>
+            <a:r>
+              <a:rPr lang="en-US" altLang="zh-TW" sz="4400" b="1" dirty="0" smtClean="0">
+                <a:solidFill>
+                  <a:srgbClr val="660033"/>
+                </a:solidFill>
+                <a:latin typeface="微軟正黑體" pitchFamily="34" charset="-120"/>
+                <a:ea typeface="微軟正黑體" pitchFamily="34" charset="-120"/>
+              </a:rPr>
+              <a:t> </a:t>
+            </a:r>
+          </a:p>
+          <a:p>
+            <a:pPr algn="ctr">
+              <a:buNone/>
+            </a:pPr>
+            <a:r>
+              <a:rPr lang="zh-TW" altLang="en-US" sz="4400" b="1" dirty="0" smtClean="0">
+                <a:solidFill>
+                  <a:srgbClr val="660033"/>
+                </a:solidFill>
+                <a:latin typeface="微軟正黑體" pitchFamily="34" charset="-120"/>
+                <a:ea typeface="微軟正黑體" pitchFamily="34" charset="-120"/>
+              </a:rPr>
+              <a:t>這</a:t>
+            </a:r>
+            <a:r>
+              <a:rPr lang="zh-TW" altLang="en-US" sz="4400" b="1" dirty="0" smtClean="0">
+                <a:solidFill>
+                  <a:srgbClr val="660033"/>
+                </a:solidFill>
+                <a:latin typeface="微軟正黑體" pitchFamily="34" charset="-120"/>
+                <a:ea typeface="微軟正黑體" pitchFamily="34" charset="-120"/>
+              </a:rPr>
+              <a:t>裡</a:t>
+            </a:r>
+            <a:r>
+              <a:rPr lang="zh-TW" altLang="en-US" sz="4400" b="1" dirty="0">
+                <a:solidFill>
+                  <a:srgbClr val="660033"/>
+                </a:solidFill>
+                <a:latin typeface="微軟正黑體" pitchFamily="34" charset="-120"/>
+                <a:ea typeface="微軟正黑體" pitchFamily="34" charset="-120"/>
+              </a:rPr>
+              <a:t>有醫治湧</a:t>
+            </a:r>
+            <a:r>
+              <a:rPr lang="zh-TW" altLang="en-US" sz="4400" b="1" dirty="0" smtClean="0">
+                <a:solidFill>
+                  <a:srgbClr val="660033"/>
+                </a:solidFill>
+                <a:latin typeface="微軟正黑體" pitchFamily="34" charset="-120"/>
+                <a:ea typeface="微軟正黑體" pitchFamily="34" charset="-120"/>
+              </a:rPr>
+              <a:t>流</a:t>
+            </a:r>
+            <a:endParaRPr lang="zh-TW" altLang="en-US" sz="4400" b="1" dirty="0">
               <a:solidFill>
                 <a:srgbClr val="660033"/>
               </a:solidFill>
               <a:latin typeface="微軟正黑體" pitchFamily="34" charset="-120"/>
               <a:ea typeface="微軟正黑體" pitchFamily="34" charset="-120"/>
             </a:endParaRPr>
-          </a:p>
-          <a:p>
-            <a:pPr algn="ctr">
-              <a:buNone/>
-            </a:pPr>
-            <a:r>
-              <a:rPr lang="zh-TW" altLang="en-US" sz="5400" b="1" dirty="0" smtClean="0">
-                <a:solidFill>
-                  <a:srgbClr val="660033"/>
-                </a:solidFill>
-                <a:latin typeface="微軟正黑體" pitchFamily="34" charset="-120"/>
-                <a:ea typeface="微軟正黑體" pitchFamily="34" charset="-120"/>
-              </a:rPr>
-              <a:t>哈</a:t>
-            </a:r>
-            <a:r>
-              <a:rPr lang="zh-TW" altLang="en-US" sz="5400" b="1" dirty="0">
-                <a:solidFill>
-                  <a:srgbClr val="660033"/>
-                </a:solidFill>
-                <a:latin typeface="微軟正黑體" pitchFamily="34" charset="-120"/>
-                <a:ea typeface="微軟正黑體" pitchFamily="34" charset="-120"/>
-              </a:rPr>
-              <a:t>利路</a:t>
-            </a:r>
-            <a:r>
-              <a:rPr lang="zh-TW" altLang="en-US" sz="5400" b="1" dirty="0" smtClean="0">
-                <a:solidFill>
-                  <a:srgbClr val="660033"/>
-                </a:solidFill>
-                <a:latin typeface="微軟正黑體" pitchFamily="34" charset="-120"/>
-                <a:ea typeface="微軟正黑體" pitchFamily="34" charset="-120"/>
-              </a:rPr>
-              <a:t>亞   哈</a:t>
-            </a:r>
-            <a:r>
-              <a:rPr lang="zh-TW" altLang="en-US" sz="5400" b="1" dirty="0">
-                <a:solidFill>
-                  <a:srgbClr val="660033"/>
-                </a:solidFill>
-                <a:latin typeface="微軟正黑體" pitchFamily="34" charset="-120"/>
-                <a:ea typeface="微軟正黑體" pitchFamily="34" charset="-120"/>
-              </a:rPr>
-              <a:t>利路</a:t>
-            </a:r>
-            <a:r>
-              <a:rPr lang="zh-TW" altLang="en-US" sz="5400" b="1" dirty="0" smtClean="0">
-                <a:solidFill>
-                  <a:srgbClr val="660033"/>
-                </a:solidFill>
-                <a:latin typeface="微軟正黑體" pitchFamily="34" charset="-120"/>
-                <a:ea typeface="微軟正黑體" pitchFamily="34" charset="-120"/>
-              </a:rPr>
-              <a:t>亞</a:t>
-            </a:r>
-            <a:endParaRPr lang="en-US" altLang="zh-TW" sz="5400" b="1" dirty="0" smtClean="0">
-              <a:solidFill>
-                <a:srgbClr val="660033"/>
-              </a:solidFill>
-              <a:latin typeface="微軟正黑體" pitchFamily="34" charset="-120"/>
-              <a:ea typeface="微軟正黑體" pitchFamily="34" charset="-120"/>
-            </a:endParaRPr>
-          </a:p>
-          <a:p>
-            <a:pPr algn="ctr">
-              <a:buNone/>
-            </a:pPr>
-            <a:r>
-              <a:rPr lang="zh-TW" altLang="en-US" sz="5400" b="1" dirty="0" smtClean="0">
-                <a:solidFill>
-                  <a:srgbClr val="660033"/>
-                </a:solidFill>
-                <a:latin typeface="微軟正黑體" pitchFamily="34" charset="-120"/>
-                <a:ea typeface="微軟正黑體" pitchFamily="34" charset="-120"/>
-              </a:rPr>
-              <a:t>這裡</a:t>
-            </a:r>
-            <a:r>
-              <a:rPr lang="zh-TW" altLang="en-US" sz="5400" b="1" dirty="0">
-                <a:solidFill>
-                  <a:srgbClr val="660033"/>
-                </a:solidFill>
-                <a:latin typeface="微軟正黑體" pitchFamily="34" charset="-120"/>
-                <a:ea typeface="微軟正黑體" pitchFamily="34" charset="-120"/>
-              </a:rPr>
-              <a:t>有醫治湧流</a:t>
-            </a:r>
           </a:p>
         </p:txBody>
       </p:sp>
@@ -3335,11 +3405,13 @@
         </p:nvSpPr>
         <p:spPr/>
         <p:txBody>
-          <a:bodyPr/>
-          <a:lstStyle/>
-          <a:p>
-            <a:r>
-              <a:rPr lang="zh-TW" altLang="en-US" b="1" dirty="0">
+          <a:bodyPr>
+            <a:normAutofit/>
+          </a:bodyPr>
+          <a:lstStyle/>
+          <a:p>
+            <a:r>
+              <a:rPr lang="zh-TW" altLang="en-US" sz="4000" b="1" dirty="0">
                 <a:solidFill>
                   <a:srgbClr val="660033"/>
                 </a:solidFill>
@@ -3372,7 +3444,7 @@
               <a:buNone/>
             </a:pPr>
             <a:r>
-              <a:rPr lang="zh-TW" altLang="en-US" sz="5400" b="1" dirty="0">
+              <a:rPr lang="zh-TW" altLang="en-US" sz="4400" b="1" dirty="0" smtClean="0">
                 <a:solidFill>
                   <a:srgbClr val="660033"/>
                 </a:solidFill>
@@ -3381,7 +3453,7 @@
               </a:rPr>
               <a:t>哈利路亞   哈利路亞</a:t>
             </a:r>
-            <a:endParaRPr lang="en-US" altLang="zh-TW" sz="5400" b="1" dirty="0">
+            <a:endParaRPr lang="en-US" altLang="zh-TW" sz="4400" b="1" dirty="0" smtClean="0">
               <a:solidFill>
                 <a:srgbClr val="660033"/>
               </a:solidFill>
@@ -3394,7 +3466,7 @@
               <a:buNone/>
             </a:pPr>
             <a:r>
-              <a:rPr lang="zh-TW" altLang="en-US" sz="5400" b="1" dirty="0">
+              <a:rPr lang="zh-TW" altLang="en-US" sz="4400" b="1" dirty="0" smtClean="0">
                 <a:solidFill>
                   <a:srgbClr val="660033"/>
                 </a:solidFill>
@@ -3403,7 +3475,7 @@
               </a:rPr>
               <a:t>這裡有光明自由</a:t>
             </a:r>
-            <a:endParaRPr lang="en-US" altLang="zh-TW" sz="5400" b="1" dirty="0">
+            <a:endParaRPr lang="en-US" altLang="zh-TW" sz="4400" b="1" dirty="0" smtClean="0">
               <a:solidFill>
                 <a:srgbClr val="660033"/>
               </a:solidFill>
@@ -3416,7 +3488,7 @@
               <a:buNone/>
             </a:pPr>
             <a:r>
-              <a:rPr lang="zh-TW" altLang="en-US" sz="5400" b="1" dirty="0">
+              <a:rPr lang="zh-TW" altLang="en-US" sz="4400" b="1" dirty="0" smtClean="0">
                 <a:solidFill>
                   <a:srgbClr val="660033"/>
                 </a:solidFill>
@@ -3425,7 +3497,7 @@
               </a:rPr>
               <a:t>敬拜聲音如眾水湧流</a:t>
             </a:r>
-            <a:endParaRPr lang="en-US" altLang="zh-TW" sz="5400" b="1" dirty="0">
+            <a:endParaRPr lang="en-US" altLang="zh-TW" sz="4400" b="1" dirty="0" smtClean="0">
               <a:solidFill>
                 <a:srgbClr val="660033"/>
               </a:solidFill>
@@ -3438,7 +3510,7 @@
               <a:buNone/>
             </a:pPr>
             <a:r>
-              <a:rPr lang="zh-TW" altLang="en-US" sz="5400" b="1" dirty="0">
+              <a:rPr lang="zh-TW" altLang="en-US" sz="4400" b="1" dirty="0" smtClean="0">
                 <a:solidFill>
                   <a:srgbClr val="660033"/>
                 </a:solidFill>
@@ -3447,6 +3519,13 @@
               </a:rPr>
               <a:t>永活的主你在這裡</a:t>
             </a:r>
+            <a:endParaRPr lang="zh-TW" altLang="en-US" sz="4400" b="1" dirty="0">
+              <a:solidFill>
+                <a:srgbClr val="660033"/>
+              </a:solidFill>
+              <a:latin typeface="微軟正黑體" pitchFamily="34" charset="-120"/>
+              <a:ea typeface="微軟正黑體" pitchFamily="34" charset="-120"/>
+            </a:endParaRPr>
           </a:p>
         </p:txBody>
       </p:sp>
@@ -3487,11 +3566,13 @@
         </p:nvSpPr>
         <p:spPr/>
         <p:txBody>
-          <a:bodyPr/>
-          <a:lstStyle/>
-          <a:p>
-            <a:r>
-              <a:rPr lang="zh-TW" altLang="en-US" b="1" dirty="0">
+          <a:bodyPr>
+            <a:normAutofit/>
+          </a:bodyPr>
+          <a:lstStyle/>
+          <a:p>
+            <a:r>
+              <a:rPr lang="zh-TW" altLang="en-US" sz="4000" b="1" dirty="0">
                 <a:solidFill>
                   <a:srgbClr val="660033"/>
                 </a:solidFill>
@@ -3524,7 +3605,7 @@
               <a:buNone/>
             </a:pPr>
             <a:r>
-              <a:rPr lang="zh-TW" altLang="en-US" sz="5400" b="1" dirty="0">
+              <a:rPr lang="zh-TW" altLang="en-US" sz="4400" b="1" dirty="0">
                 <a:solidFill>
                   <a:srgbClr val="660033"/>
                 </a:solidFill>
@@ -3533,7 +3614,7 @@
               </a:rPr>
               <a:t>你是起初的   末後的</a:t>
             </a:r>
-            <a:endParaRPr lang="en-US" altLang="zh-TW" sz="5400" b="1" dirty="0">
+            <a:endParaRPr lang="en-US" altLang="zh-TW" sz="4400" b="1" dirty="0">
               <a:solidFill>
                 <a:srgbClr val="660033"/>
               </a:solidFill>
@@ -3546,7 +3627,7 @@
               <a:buNone/>
             </a:pPr>
             <a:r>
-              <a:rPr lang="zh-TW" altLang="en-US" sz="5400" b="1" dirty="0">
+              <a:rPr lang="zh-TW" altLang="en-US" sz="4400" b="1" dirty="0">
                 <a:solidFill>
                   <a:srgbClr val="660033"/>
                 </a:solidFill>
@@ -3555,7 +3636,7 @@
               </a:rPr>
               <a:t>昔在今在永在的主</a:t>
             </a:r>
-            <a:endParaRPr lang="en-US" altLang="zh-TW" sz="5400" b="1" dirty="0">
+            <a:endParaRPr lang="en-US" altLang="zh-TW" sz="4400" b="1" dirty="0">
               <a:solidFill>
                 <a:srgbClr val="660033"/>
               </a:solidFill>
@@ -3568,7 +3649,7 @@
               <a:buNone/>
             </a:pPr>
             <a:r>
-              <a:rPr lang="zh-TW" altLang="en-US" sz="5400" b="1" dirty="0">
+              <a:rPr lang="zh-TW" altLang="en-US" sz="4400" b="1" dirty="0">
                 <a:solidFill>
                   <a:srgbClr val="660033"/>
                 </a:solidFill>
@@ -3577,7 +3658,7 @@
               </a:rPr>
               <a:t>全心敬拜你   大聲歡呼</a:t>
             </a:r>
-            <a:endParaRPr lang="en-US" altLang="zh-TW" sz="5400" b="1" dirty="0">
+            <a:endParaRPr lang="en-US" altLang="zh-TW" sz="4400" b="1" dirty="0">
               <a:solidFill>
                 <a:srgbClr val="660033"/>
               </a:solidFill>
@@ -3590,7 +3671,7 @@
               <a:buNone/>
             </a:pPr>
             <a:r>
-              <a:rPr lang="zh-TW" altLang="en-US" sz="5400" b="1" dirty="0">
+              <a:rPr lang="zh-TW" altLang="en-US" sz="4400" b="1" dirty="0">
                 <a:solidFill>
                   <a:srgbClr val="660033"/>
                 </a:solidFill>
@@ -3639,11 +3720,13 @@
         </p:nvSpPr>
         <p:spPr/>
         <p:txBody>
-          <a:bodyPr/>
-          <a:lstStyle/>
-          <a:p>
-            <a:r>
-              <a:rPr lang="zh-TW" altLang="en-US" b="1" dirty="0">
+          <a:bodyPr>
+            <a:normAutofit/>
+          </a:bodyPr>
+          <a:lstStyle/>
+          <a:p>
+            <a:r>
+              <a:rPr lang="zh-TW" altLang="en-US" sz="4000" b="1" dirty="0">
                 <a:solidFill>
                   <a:srgbClr val="660033"/>
                 </a:solidFill>
@@ -3676,7 +3759,7 @@
               <a:buNone/>
             </a:pPr>
             <a:r>
-              <a:rPr lang="zh-TW" altLang="en-US" sz="5400" b="1" dirty="0">
+              <a:rPr lang="zh-TW" altLang="en-US" sz="4400" b="1" dirty="0">
                 <a:solidFill>
                   <a:srgbClr val="660033"/>
                 </a:solidFill>
@@ -3685,7 +3768,7 @@
               </a:rPr>
               <a:t>公義的日頭   如光照耀</a:t>
             </a:r>
-            <a:endParaRPr lang="en-US" altLang="zh-TW" sz="5400" b="1" dirty="0">
+            <a:endParaRPr lang="en-US" altLang="zh-TW" sz="4400" b="1" dirty="0">
               <a:solidFill>
                 <a:srgbClr val="660033"/>
               </a:solidFill>
@@ -3698,7 +3781,7 @@
               <a:buNone/>
             </a:pPr>
             <a:r>
-              <a:rPr lang="zh-TW" altLang="en-US" sz="5400" b="1" dirty="0">
+              <a:rPr lang="zh-TW" altLang="en-US" sz="4400" b="1" dirty="0">
                 <a:solidFill>
                   <a:srgbClr val="660033"/>
                 </a:solidFill>
@@ -3707,7 +3790,7 @@
               </a:rPr>
               <a:t>萬國讚嘆你的榮美</a:t>
             </a:r>
-            <a:endParaRPr lang="en-US" altLang="zh-TW" sz="5400" b="1" dirty="0">
+            <a:endParaRPr lang="en-US" altLang="zh-TW" sz="4400" b="1" dirty="0">
               <a:solidFill>
                 <a:srgbClr val="660033"/>
               </a:solidFill>
@@ -3720,7 +3803,7 @@
               <a:buNone/>
             </a:pPr>
             <a:r>
-              <a:rPr lang="zh-TW" altLang="en-US" sz="5400" b="1" dirty="0">
+              <a:rPr lang="zh-TW" altLang="en-US" sz="4400" b="1" dirty="0">
                 <a:solidFill>
                   <a:srgbClr val="660033"/>
                 </a:solidFill>
@@ -3729,7 +3812,7 @@
               </a:rPr>
               <a:t>聖潔公義主   明亮晨星</a:t>
             </a:r>
-            <a:endParaRPr lang="en-US" altLang="zh-TW" sz="5400" b="1" dirty="0">
+            <a:endParaRPr lang="en-US" altLang="zh-TW" sz="4400" b="1" dirty="0">
               <a:solidFill>
                 <a:srgbClr val="660033"/>
               </a:solidFill>
@@ -3742,7 +3825,7 @@
               <a:buNone/>
             </a:pPr>
             <a:r>
-              <a:rPr lang="zh-TW" altLang="en-US" sz="5400" b="1" dirty="0">
+              <a:rPr lang="zh-TW" altLang="en-US" sz="4400" b="1" dirty="0">
                 <a:solidFill>
                   <a:srgbClr val="660033"/>
                 </a:solidFill>

--- a/這裡有榮耀(崇拜版).pptx
+++ b/這裡有榮耀(崇拜版).pptx
@@ -5,10 +5,15 @@
     <p:sldMasterId id="2147483660" r:id="rId1"/>
   </p:sldMasterIdLst>
   <p:sldIdLst>
-    <p:sldId id="257" r:id="rId2"/>
-    <p:sldId id="258" r:id="rId3"/>
-    <p:sldId id="259" r:id="rId4"/>
-    <p:sldId id="260" r:id="rId5"/>
+    <p:sldId id="261" r:id="rId2"/>
+    <p:sldId id="262" r:id="rId3"/>
+    <p:sldId id="263" r:id="rId4"/>
+    <p:sldId id="264" r:id="rId5"/>
+    <p:sldId id="265" r:id="rId6"/>
+    <p:sldId id="266" r:id="rId7"/>
+    <p:sldId id="267" r:id="rId8"/>
+    <p:sldId id="268" r:id="rId9"/>
+    <p:sldId id="269" r:id="rId10"/>
   </p:sldIdLst>
   <p:sldSz cx="9144000" cy="5143500" type="screen16x9"/>
   <p:notesSz cx="6858000" cy="9144000"/>
@@ -107,6 +112,22 @@
       </a:defRPr>
     </a:lvl9pPr>
   </p:defaultTextStyle>
+  <p:extLst>
+    <p:ext uri="{EFAFB233-063F-42B5-8137-9DF3F51BA10A}">
+      <p15:sldGuideLst xmlns:p15="http://schemas.microsoft.com/office/powerpoint/2012/main">
+        <p15:guide id="1" orient="horz" pos="1620">
+          <p15:clr>
+            <a:srgbClr val="A4A3A4"/>
+          </p15:clr>
+        </p15:guide>
+        <p15:guide id="2" pos="2880">
+          <p15:clr>
+            <a:srgbClr val="A4A3A4"/>
+          </p15:clr>
+        </p15:guide>
+      </p15:sldGuideLst>
+    </p:ext>
+  </p:extLst>
 </p:presentation>
 </file>
 
@@ -292,7 +313,7 @@
             <a:fld id="{C4B8D84C-D8B6-449A-BCAD-2C522ABB8DE8}" type="datetimeFigureOut">
               <a:rPr lang="zh-TW" altLang="en-US" smtClean="0"/>
               <a:pPr/>
-              <a:t>2019/7/13</a:t>
+              <a:t>2023/9/9</a:t>
             </a:fld>
             <a:endParaRPr lang="zh-TW" altLang="en-US"/>
           </a:p>
@@ -459,7 +480,7 @@
             <a:fld id="{C4B8D84C-D8B6-449A-BCAD-2C522ABB8DE8}" type="datetimeFigureOut">
               <a:rPr lang="zh-TW" altLang="en-US" smtClean="0"/>
               <a:pPr/>
-              <a:t>2019/7/13</a:t>
+              <a:t>2023/9/9</a:t>
             </a:fld>
             <a:endParaRPr lang="zh-TW" altLang="en-US"/>
           </a:p>
@@ -636,7 +657,7 @@
             <a:fld id="{C4B8D84C-D8B6-449A-BCAD-2C522ABB8DE8}" type="datetimeFigureOut">
               <a:rPr lang="zh-TW" altLang="en-US" smtClean="0"/>
               <a:pPr/>
-              <a:t>2019/7/13</a:t>
+              <a:t>2023/9/9</a:t>
             </a:fld>
             <a:endParaRPr lang="zh-TW" altLang="en-US"/>
           </a:p>
@@ -803,7 +824,7 @@
             <a:fld id="{C4B8D84C-D8B6-449A-BCAD-2C522ABB8DE8}" type="datetimeFigureOut">
               <a:rPr lang="zh-TW" altLang="en-US" smtClean="0"/>
               <a:pPr/>
-              <a:t>2019/7/13</a:t>
+              <a:t>2023/9/9</a:t>
             </a:fld>
             <a:endParaRPr lang="zh-TW" altLang="en-US"/>
           </a:p>
@@ -1046,7 +1067,7 @@
             <a:fld id="{C4B8D84C-D8B6-449A-BCAD-2C522ABB8DE8}" type="datetimeFigureOut">
               <a:rPr lang="zh-TW" altLang="en-US" smtClean="0"/>
               <a:pPr/>
-              <a:t>2019/7/13</a:t>
+              <a:t>2023/9/9</a:t>
             </a:fld>
             <a:endParaRPr lang="zh-TW" altLang="en-US"/>
           </a:p>
@@ -1331,7 +1352,7 @@
             <a:fld id="{C4B8D84C-D8B6-449A-BCAD-2C522ABB8DE8}" type="datetimeFigureOut">
               <a:rPr lang="zh-TW" altLang="en-US" smtClean="0"/>
               <a:pPr/>
-              <a:t>2019/7/13</a:t>
+              <a:t>2023/9/9</a:t>
             </a:fld>
             <a:endParaRPr lang="zh-TW" altLang="en-US"/>
           </a:p>
@@ -1750,7 +1771,7 @@
             <a:fld id="{C4B8D84C-D8B6-449A-BCAD-2C522ABB8DE8}" type="datetimeFigureOut">
               <a:rPr lang="zh-TW" altLang="en-US" smtClean="0"/>
               <a:pPr/>
-              <a:t>2019/7/13</a:t>
+              <a:t>2023/9/9</a:t>
             </a:fld>
             <a:endParaRPr lang="zh-TW" altLang="en-US"/>
           </a:p>
@@ -1865,7 +1886,7 @@
             <a:fld id="{C4B8D84C-D8B6-449A-BCAD-2C522ABB8DE8}" type="datetimeFigureOut">
               <a:rPr lang="zh-TW" altLang="en-US" smtClean="0"/>
               <a:pPr/>
-              <a:t>2019/7/13</a:t>
+              <a:t>2023/9/9</a:t>
             </a:fld>
             <a:endParaRPr lang="zh-TW" altLang="en-US"/>
           </a:p>
@@ -1957,7 +1978,7 @@
             <a:fld id="{C4B8D84C-D8B6-449A-BCAD-2C522ABB8DE8}" type="datetimeFigureOut">
               <a:rPr lang="zh-TW" altLang="en-US" smtClean="0"/>
               <a:pPr/>
-              <a:t>2019/7/13</a:t>
+              <a:t>2023/9/9</a:t>
             </a:fld>
             <a:endParaRPr lang="zh-TW" altLang="en-US"/>
           </a:p>
@@ -2231,7 +2252,7 @@
             <a:fld id="{C4B8D84C-D8B6-449A-BCAD-2C522ABB8DE8}" type="datetimeFigureOut">
               <a:rPr lang="zh-TW" altLang="en-US" smtClean="0"/>
               <a:pPr/>
-              <a:t>2019/7/13</a:t>
+              <a:t>2023/9/9</a:t>
             </a:fld>
             <a:endParaRPr lang="zh-TW" altLang="en-US"/>
           </a:p>
@@ -2485,7 +2506,7 @@
             <a:fld id="{C4B8D84C-D8B6-449A-BCAD-2C522ABB8DE8}" type="datetimeFigureOut">
               <a:rPr lang="zh-TW" altLang="en-US" smtClean="0"/>
               <a:pPr/>
-              <a:t>2019/7/13</a:t>
+              <a:t>2023/9/9</a:t>
             </a:fld>
             <a:endParaRPr lang="zh-TW" altLang="en-US"/>
           </a:p>
@@ -2700,7 +2721,7 @@
             <a:fld id="{C4B8D84C-D8B6-449A-BCAD-2C522ABB8DE8}" type="datetimeFigureOut">
               <a:rPr lang="zh-TW" altLang="en-US" smtClean="0"/>
               <a:pPr/>
-              <a:t>2019/7/13</a:t>
+              <a:t>2023/9/9</a:t>
             </a:fld>
             <a:endParaRPr lang="zh-TW" altLang="en-US"/>
           </a:p>
@@ -3073,7 +3094,7 @@
       </p:grpSpPr>
       <p:sp>
         <p:nvSpPr>
-          <p:cNvPr id="2" name="標題 1"/>
+          <p:cNvPr id="4" name="標題 3"/>
           <p:cNvSpPr>
             <a:spLocks noGrp="1"/>
           </p:cNvSpPr>
@@ -3081,294 +3102,61 @@
             <p:ph type="title"/>
           </p:nvPr>
         </p:nvSpPr>
-        <p:spPr/>
+        <p:spPr>
+          <a:xfrm>
+            <a:off x="0" y="1995686"/>
+            <a:ext cx="9144000" cy="857250"/>
+          </a:xfrm>
+        </p:spPr>
         <p:txBody>
           <a:bodyPr>
-            <a:normAutofit/>
+            <a:noAutofit/>
           </a:bodyPr>
           <a:lstStyle/>
           <a:p>
             <a:r>
-              <a:rPr lang="zh-TW" altLang="en-US" sz="4000" b="1" dirty="0">
-                <a:solidFill>
-                  <a:srgbClr val="660033"/>
-                </a:solidFill>
+              <a:rPr lang="zh-TW" altLang="en-US" sz="5400" b="1" i="1" dirty="0" smtClean="0">
+                <a:solidFill>
+                  <a:srgbClr val="660033"/>
+                </a:solidFill>
+                <a:effectLst>
+                  <a:outerShdw blurRad="38100" dist="38100" dir="2700000" algn="tl">
+                    <a:srgbClr val="000000">
+                      <a:alpha val="43137"/>
+                    </a:srgbClr>
+                  </a:outerShdw>
+                </a:effectLst>
                 <a:latin typeface="微軟正黑體" pitchFamily="34" charset="-120"/>
                 <a:ea typeface="微軟正黑體" pitchFamily="34" charset="-120"/>
               </a:rPr>
-              <a:t>這裡有榮耀</a:t>
-            </a:r>
-          </a:p>
-        </p:txBody>
-      </p:sp>
-      <p:sp>
-        <p:nvSpPr>
-          <p:cNvPr id="3" name="內容版面配置區 2"/>
-          <p:cNvSpPr>
-            <a:spLocks noGrp="1"/>
-          </p:cNvSpPr>
-          <p:nvPr>
-            <p:ph idx="1"/>
-          </p:nvPr>
-        </p:nvSpPr>
-        <p:spPr>
-          <a:xfrm>
-            <a:off x="35496" y="1200151"/>
-            <a:ext cx="9108504" cy="3394472"/>
-          </a:xfrm>
-        </p:spPr>
-        <p:txBody>
-          <a:bodyPr>
-            <a:normAutofit/>
-          </a:bodyPr>
-          <a:lstStyle/>
-          <a:p>
-            <a:pPr algn="ctr">
-              <a:buNone/>
-            </a:pPr>
-            <a:r>
-              <a:rPr lang="zh-TW" altLang="en-US" sz="4400" b="1" dirty="0">
-                <a:solidFill>
-                  <a:srgbClr val="660033"/>
-                </a:solidFill>
+              <a:t>這</a:t>
+            </a:r>
+            <a:r>
+              <a:rPr lang="zh-TW" altLang="en-US" sz="5400" b="1" i="1" dirty="0">
+                <a:solidFill>
+                  <a:srgbClr val="660033"/>
+                </a:solidFill>
+                <a:effectLst>
+                  <a:outerShdw blurRad="38100" dist="38100" dir="2700000" algn="tl">
+                    <a:srgbClr val="000000">
+                      <a:alpha val="43137"/>
+                    </a:srgbClr>
+                  </a:outerShdw>
+                </a:effectLst>
                 <a:latin typeface="微軟正黑體" pitchFamily="34" charset="-120"/>
                 <a:ea typeface="微軟正黑體" pitchFamily="34" charset="-120"/>
               </a:rPr>
-              <a:t>哈利路</a:t>
-            </a:r>
-            <a:r>
-              <a:rPr lang="zh-TW" altLang="en-US" sz="4400" b="1" dirty="0" smtClean="0">
-                <a:solidFill>
-                  <a:srgbClr val="660033"/>
-                </a:solidFill>
-                <a:latin typeface="微軟正黑體" pitchFamily="34" charset="-120"/>
-                <a:ea typeface="微軟正黑體" pitchFamily="34" charset="-120"/>
-              </a:rPr>
-              <a:t>亞   哈</a:t>
-            </a:r>
-            <a:r>
-              <a:rPr lang="zh-TW" altLang="en-US" sz="4400" b="1" dirty="0">
-                <a:solidFill>
-                  <a:srgbClr val="660033"/>
-                </a:solidFill>
-                <a:latin typeface="微軟正黑體" pitchFamily="34" charset="-120"/>
-                <a:ea typeface="微軟正黑體" pitchFamily="34" charset="-120"/>
-              </a:rPr>
-              <a:t>利路</a:t>
-            </a:r>
-            <a:r>
-              <a:rPr lang="zh-TW" altLang="en-US" sz="4400" b="1" dirty="0" smtClean="0">
-                <a:solidFill>
-                  <a:srgbClr val="660033"/>
-                </a:solidFill>
-                <a:latin typeface="微軟正黑體" pitchFamily="34" charset="-120"/>
-                <a:ea typeface="微軟正黑體" pitchFamily="34" charset="-120"/>
-              </a:rPr>
-              <a:t>亞</a:t>
-            </a:r>
-            <a:r>
-              <a:rPr lang="en-US" altLang="zh-TW" sz="4400" b="1" dirty="0">
-                <a:solidFill>
-                  <a:srgbClr val="660033"/>
-                </a:solidFill>
-                <a:latin typeface="微軟正黑體" pitchFamily="34" charset="-120"/>
-                <a:ea typeface="微軟正黑體" pitchFamily="34" charset="-120"/>
-              </a:rPr>
-              <a:t> </a:t>
-            </a:r>
-            <a:r>
-              <a:rPr lang="en-US" altLang="zh-TW" sz="4400" b="1" dirty="0" smtClean="0">
-                <a:solidFill>
-                  <a:srgbClr val="660033"/>
-                </a:solidFill>
-                <a:latin typeface="微軟正黑體" pitchFamily="34" charset="-120"/>
-                <a:ea typeface="微軟正黑體" pitchFamily="34" charset="-120"/>
-              </a:rPr>
-              <a:t> </a:t>
-            </a:r>
-          </a:p>
-          <a:p>
-            <a:pPr algn="ctr">
-              <a:buNone/>
-            </a:pPr>
-            <a:r>
-              <a:rPr lang="zh-TW" altLang="en-US" sz="4400" b="1" dirty="0" smtClean="0">
-                <a:solidFill>
-                  <a:srgbClr val="660033"/>
-                </a:solidFill>
-                <a:latin typeface="微軟正黑體" pitchFamily="34" charset="-120"/>
-                <a:ea typeface="微軟正黑體" pitchFamily="34" charset="-120"/>
-              </a:rPr>
-              <a:t>這</a:t>
-            </a:r>
-            <a:r>
-              <a:rPr lang="zh-TW" altLang="en-US" sz="4400" b="1" dirty="0" smtClean="0">
-                <a:solidFill>
-                  <a:srgbClr val="660033"/>
-                </a:solidFill>
-                <a:latin typeface="微軟正黑體" pitchFamily="34" charset="-120"/>
-                <a:ea typeface="微軟正黑體" pitchFamily="34" charset="-120"/>
-              </a:rPr>
-              <a:t>裡</a:t>
-            </a:r>
-            <a:r>
-              <a:rPr lang="zh-TW" altLang="en-US" sz="4400" b="1" dirty="0">
-                <a:solidFill>
-                  <a:srgbClr val="660033"/>
-                </a:solidFill>
-                <a:latin typeface="微軟正黑體" pitchFamily="34" charset="-120"/>
-                <a:ea typeface="微軟正黑體" pitchFamily="34" charset="-120"/>
-              </a:rPr>
-              <a:t>有</a:t>
-            </a:r>
-            <a:r>
-              <a:rPr lang="zh-TW" altLang="en-US" sz="4400" b="1" dirty="0" smtClean="0">
-                <a:solidFill>
-                  <a:srgbClr val="660033"/>
-                </a:solidFill>
-                <a:latin typeface="微軟正黑體" pitchFamily="34" charset="-120"/>
-                <a:ea typeface="微軟正黑體" pitchFamily="34" charset="-120"/>
-              </a:rPr>
-              <a:t>榮耀</a:t>
-            </a:r>
-            <a:endParaRPr lang="en-US" altLang="zh-TW" sz="4400" b="1" dirty="0">
-              <a:solidFill>
-                <a:srgbClr val="660033"/>
-              </a:solidFill>
-              <a:latin typeface="微軟正黑體" pitchFamily="34" charset="-120"/>
-              <a:ea typeface="微軟正黑體" pitchFamily="34" charset="-120"/>
-            </a:endParaRPr>
-          </a:p>
-          <a:p>
-            <a:pPr algn="ctr">
-              <a:buNone/>
-            </a:pPr>
-            <a:r>
-              <a:rPr lang="zh-TW" altLang="en-US" sz="4400" b="1" dirty="0" smtClean="0">
-                <a:solidFill>
-                  <a:srgbClr val="660033"/>
-                </a:solidFill>
-                <a:latin typeface="微軟正黑體" pitchFamily="34" charset="-120"/>
-                <a:ea typeface="微軟正黑體" pitchFamily="34" charset="-120"/>
-              </a:rPr>
-              <a:t>哈</a:t>
-            </a:r>
-            <a:r>
-              <a:rPr lang="zh-TW" altLang="en-US" sz="4400" b="1" dirty="0">
-                <a:solidFill>
-                  <a:srgbClr val="660033"/>
-                </a:solidFill>
-                <a:latin typeface="微軟正黑體" pitchFamily="34" charset="-120"/>
-                <a:ea typeface="微軟正黑體" pitchFamily="34" charset="-120"/>
-              </a:rPr>
-              <a:t>利路</a:t>
-            </a:r>
-            <a:r>
-              <a:rPr lang="zh-TW" altLang="en-US" sz="4400" b="1" dirty="0" smtClean="0">
-                <a:solidFill>
-                  <a:srgbClr val="660033"/>
-                </a:solidFill>
-                <a:latin typeface="微軟正黑體" pitchFamily="34" charset="-120"/>
-                <a:ea typeface="微軟正黑體" pitchFamily="34" charset="-120"/>
-              </a:rPr>
-              <a:t>亞   哈</a:t>
-            </a:r>
-            <a:r>
-              <a:rPr lang="zh-TW" altLang="en-US" sz="4400" b="1" dirty="0">
-                <a:solidFill>
-                  <a:srgbClr val="660033"/>
-                </a:solidFill>
-                <a:latin typeface="微軟正黑體" pitchFamily="34" charset="-120"/>
-                <a:ea typeface="微軟正黑體" pitchFamily="34" charset="-120"/>
-              </a:rPr>
-              <a:t>利路</a:t>
-            </a:r>
-            <a:r>
-              <a:rPr lang="zh-TW" altLang="en-US" sz="4400" b="1" dirty="0" smtClean="0">
-                <a:solidFill>
-                  <a:srgbClr val="660033"/>
-                </a:solidFill>
-                <a:latin typeface="微軟正黑體" pitchFamily="34" charset="-120"/>
-                <a:ea typeface="微軟正黑體" pitchFamily="34" charset="-120"/>
-              </a:rPr>
-              <a:t>亞</a:t>
-            </a:r>
-            <a:r>
-              <a:rPr lang="en-US" altLang="zh-TW" sz="4400" b="1" dirty="0">
-                <a:solidFill>
-                  <a:srgbClr val="660033"/>
-                </a:solidFill>
-                <a:latin typeface="微軟正黑體" pitchFamily="34" charset="-120"/>
-                <a:ea typeface="微軟正黑體" pitchFamily="34" charset="-120"/>
-              </a:rPr>
-              <a:t> </a:t>
-            </a:r>
-            <a:r>
-              <a:rPr lang="en-US" altLang="zh-TW" sz="4400" b="1" dirty="0" smtClean="0">
-                <a:solidFill>
-                  <a:srgbClr val="660033"/>
-                </a:solidFill>
-                <a:latin typeface="微軟正黑體" pitchFamily="34" charset="-120"/>
-                <a:ea typeface="微軟正黑體" pitchFamily="34" charset="-120"/>
-              </a:rPr>
-              <a:t> </a:t>
-            </a:r>
-          </a:p>
-          <a:p>
-            <a:pPr algn="ctr">
-              <a:buNone/>
-            </a:pPr>
-            <a:r>
-              <a:rPr lang="zh-TW" altLang="en-US" sz="4400" b="1" dirty="0" smtClean="0">
-                <a:solidFill>
-                  <a:srgbClr val="660033"/>
-                </a:solidFill>
-                <a:latin typeface="微軟正黑體" pitchFamily="34" charset="-120"/>
-                <a:ea typeface="微軟正黑體" pitchFamily="34" charset="-120"/>
-              </a:rPr>
-              <a:t>這</a:t>
-            </a:r>
-            <a:r>
-              <a:rPr lang="zh-TW" altLang="en-US" sz="4400" b="1" dirty="0" smtClean="0">
-                <a:solidFill>
-                  <a:srgbClr val="660033"/>
-                </a:solidFill>
-                <a:latin typeface="微軟正黑體" pitchFamily="34" charset="-120"/>
-                <a:ea typeface="微軟正黑體" pitchFamily="34" charset="-120"/>
-              </a:rPr>
-              <a:t>裡</a:t>
-            </a:r>
-            <a:r>
-              <a:rPr lang="zh-TW" altLang="en-US" sz="4400" b="1" dirty="0">
-                <a:solidFill>
-                  <a:srgbClr val="660033"/>
-                </a:solidFill>
-                <a:latin typeface="微軟正黑體" pitchFamily="34" charset="-120"/>
-                <a:ea typeface="微軟正黑體" pitchFamily="34" charset="-120"/>
-              </a:rPr>
-              <a:t>有醫治湧</a:t>
-            </a:r>
-            <a:r>
-              <a:rPr lang="zh-TW" altLang="en-US" sz="4400" b="1" dirty="0" smtClean="0">
-                <a:solidFill>
-                  <a:srgbClr val="660033"/>
-                </a:solidFill>
-                <a:latin typeface="微軟正黑體" pitchFamily="34" charset="-120"/>
-                <a:ea typeface="微軟正黑體" pitchFamily="34" charset="-120"/>
-              </a:rPr>
-              <a:t>流</a:t>
-            </a:r>
-            <a:endParaRPr lang="zh-TW" altLang="en-US" sz="4400" b="1" dirty="0">
-              <a:solidFill>
-                <a:srgbClr val="660033"/>
-              </a:solidFill>
-              <a:latin typeface="微軟正黑體" pitchFamily="34" charset="-120"/>
-              <a:ea typeface="微軟正黑體" pitchFamily="34" charset="-120"/>
-            </a:endParaRPr>
+              <a:t>裡有榮耀</a:t>
+            </a:r>
           </a:p>
         </p:txBody>
       </p:sp>
     </p:spTree>
+    <p:extLst>
+      <p:ext uri="{BB962C8B-B14F-4D97-AF65-F5344CB8AC3E}">
+        <p14:creationId xmlns:p14="http://schemas.microsoft.com/office/powerpoint/2010/main" val="3670723807"/>
+      </p:ext>
+    </p:extLst>
   </p:cSld>
   <p:clrMapOvr>
     <a:masterClrMapping/>
@@ -3395,65 +3183,65 @@
       </p:grpSpPr>
       <p:sp>
         <p:nvSpPr>
-          <p:cNvPr id="2" name="標題 1"/>
-          <p:cNvSpPr>
-            <a:spLocks noGrp="1"/>
-          </p:cNvSpPr>
-          <p:nvPr>
-            <p:ph type="title"/>
-          </p:nvPr>
-        </p:nvSpPr>
-        <p:spPr/>
-        <p:txBody>
-          <a:bodyPr>
+          <p:cNvPr id="5" name="內容版面配置區 4"/>
+          <p:cNvSpPr>
+            <a:spLocks noGrp="1"/>
+          </p:cNvSpPr>
+          <p:nvPr>
+            <p:ph idx="1"/>
+          </p:nvPr>
+        </p:nvSpPr>
+        <p:spPr>
+          <a:xfrm>
+            <a:off x="0" y="1563638"/>
+            <a:ext cx="9144000" cy="1803647"/>
+          </a:xfrm>
+        </p:spPr>
+        <p:txBody>
+          <a:bodyPr anchor="ctr">
             <a:normAutofit/>
           </a:bodyPr>
           <a:lstStyle/>
           <a:p>
-            <a:r>
-              <a:rPr lang="zh-TW" altLang="en-US" sz="4000" b="1" dirty="0">
+            <a:pPr algn="ctr">
+              <a:buNone/>
+            </a:pPr>
+            <a:r>
+              <a:rPr lang="zh-TW" altLang="en-US" sz="4800" b="1" dirty="0">
                 <a:solidFill>
                   <a:srgbClr val="660033"/>
                 </a:solidFill>
                 <a:latin typeface="微軟正黑體" pitchFamily="34" charset="-120"/>
                 <a:ea typeface="微軟正黑體" pitchFamily="34" charset="-120"/>
               </a:rPr>
-              <a:t>這裡有榮耀</a:t>
-            </a:r>
-          </a:p>
-        </p:txBody>
-      </p:sp>
-      <p:sp>
-        <p:nvSpPr>
-          <p:cNvPr id="3" name="內容版面配置區 2"/>
-          <p:cNvSpPr>
-            <a:spLocks noGrp="1"/>
-          </p:cNvSpPr>
-          <p:nvPr>
-            <p:ph idx="1"/>
-          </p:nvPr>
-        </p:nvSpPr>
-        <p:spPr/>
-        <p:txBody>
-          <a:bodyPr>
-            <a:normAutofit/>
-          </a:bodyPr>
-          <a:lstStyle/>
-          <a:p>
-            <a:pPr algn="ctr">
-              <a:buNone/>
-            </a:pPr>
-            <a:r>
-              <a:rPr lang="zh-TW" altLang="en-US" sz="4400" b="1" dirty="0" smtClean="0">
+              <a:t>哈利路亞   哈利路亞</a:t>
+            </a:r>
+            <a:r>
+              <a:rPr lang="en-US" altLang="zh-TW" sz="4800" b="1" dirty="0">
                 <a:solidFill>
                   <a:srgbClr val="660033"/>
                 </a:solidFill>
                 <a:latin typeface="微軟正黑體" pitchFamily="34" charset="-120"/>
                 <a:ea typeface="微軟正黑體" pitchFamily="34" charset="-120"/>
               </a:rPr>
-              <a:t>哈利路亞   哈利路亞</a:t>
-            </a:r>
-            <a:endParaRPr lang="en-US" altLang="zh-TW" sz="4400" b="1" dirty="0" smtClean="0">
+              <a:t>  </a:t>
+            </a:r>
+          </a:p>
+          <a:p>
+            <a:pPr algn="ctr">
+              <a:buNone/>
+            </a:pPr>
+            <a:r>
+              <a:rPr lang="zh-TW" altLang="en-US" sz="4800" b="1" dirty="0">
+                <a:solidFill>
+                  <a:srgbClr val="660033"/>
+                </a:solidFill>
+                <a:latin typeface="微軟正黑體" pitchFamily="34" charset="-120"/>
+                <a:ea typeface="微軟正黑體" pitchFamily="34" charset="-120"/>
+              </a:rPr>
+              <a:t>這裡有榮耀</a:t>
+            </a:r>
+            <a:endParaRPr lang="en-US" altLang="zh-TW" sz="4800" b="1" dirty="0">
               <a:solidFill>
                 <a:srgbClr val="660033"/>
               </a:solidFill>
@@ -3461,75 +3249,76 @@
               <a:ea typeface="微軟正黑體" pitchFamily="34" charset="-120"/>
             </a:endParaRPr>
           </a:p>
-          <a:p>
-            <a:pPr algn="ctr">
-              <a:buNone/>
-            </a:pPr>
-            <a:r>
-              <a:rPr lang="zh-TW" altLang="en-US" sz="4400" b="1" dirty="0" smtClean="0">
-                <a:solidFill>
-                  <a:srgbClr val="660033"/>
-                </a:solidFill>
-                <a:latin typeface="微軟正黑體" pitchFamily="34" charset="-120"/>
-                <a:ea typeface="微軟正黑體" pitchFamily="34" charset="-120"/>
-              </a:rPr>
-              <a:t>這裡有光明自由</a:t>
-            </a:r>
-            <a:endParaRPr lang="en-US" altLang="zh-TW" sz="4400" b="1" dirty="0" smtClean="0">
+        </p:txBody>
+      </p:sp>
+      <p:sp>
+        <p:nvSpPr>
+          <p:cNvPr id="3" name="TextBox 2"/>
+          <p:cNvSpPr txBox="1"/>
+          <p:nvPr/>
+        </p:nvSpPr>
+        <p:spPr>
+          <a:xfrm>
+            <a:off x="0" y="3867894"/>
+            <a:ext cx="9144000" cy="461665"/>
+          </a:xfrm>
+          <a:prstGeom prst="rect">
+            <a:avLst/>
+          </a:prstGeom>
+          <a:noFill/>
+        </p:spPr>
+        <p:txBody>
+          <a:bodyPr wrap="square" rtlCol="0">
+            <a:spAutoFit/>
+          </a:bodyPr>
+          <a:lstStyle/>
+          <a:p>
+            <a:pPr algn="ctr"/>
+            <a:r>
+              <a:rPr lang="en-US" sz="2400" b="1" dirty="0" smtClean="0">
+                <a:solidFill>
+                  <a:srgbClr val="660033"/>
+                </a:solidFill>
+                <a:latin typeface="Microsoft JhengHei" panose="020B0604030504040204" pitchFamily="34" charset="-120"/>
+                <a:ea typeface="Microsoft JhengHei" panose="020B0604030504040204" pitchFamily="34" charset="-120"/>
+              </a:rPr>
+              <a:t>( </a:t>
+            </a:r>
+            <a:r>
+              <a:rPr lang="zh-CN" altLang="en-US" sz="2400" b="1" dirty="0" smtClean="0">
+                <a:solidFill>
+                  <a:srgbClr val="660033"/>
+                </a:solidFill>
+                <a:latin typeface="Microsoft JhengHei" panose="020B0604030504040204" pitchFamily="34" charset="-120"/>
+                <a:ea typeface="Microsoft JhengHei" panose="020B0604030504040204" pitchFamily="34" charset="-120"/>
+              </a:rPr>
+              <a:t>正</a:t>
+            </a:r>
+            <a:r>
+              <a:rPr lang="en-US" sz="2400" b="1" dirty="0" smtClean="0">
+                <a:solidFill>
+                  <a:srgbClr val="660033"/>
+                </a:solidFill>
+                <a:latin typeface="Microsoft JhengHei" panose="020B0604030504040204" pitchFamily="34" charset="-120"/>
+                <a:ea typeface="Microsoft JhengHei" panose="020B0604030504040204" pitchFamily="34" charset="-120"/>
+              </a:rPr>
+              <a:t> )</a:t>
+            </a:r>
+            <a:endParaRPr lang="vi-VN" sz="2400" b="1" dirty="0">
               <a:solidFill>
                 <a:srgbClr val="660033"/>
               </a:solidFill>
-              <a:latin typeface="微軟正黑體" pitchFamily="34" charset="-120"/>
-              <a:ea typeface="微軟正黑體" pitchFamily="34" charset="-120"/>
+              <a:ea typeface="Microsoft JhengHei" panose="020B0604030504040204" pitchFamily="34" charset="-120"/>
             </a:endParaRPr>
           </a:p>
-          <a:p>
-            <a:pPr algn="ctr">
-              <a:buNone/>
-            </a:pPr>
-            <a:r>
-              <a:rPr lang="zh-TW" altLang="en-US" sz="4400" b="1" dirty="0" smtClean="0">
-                <a:solidFill>
-                  <a:srgbClr val="660033"/>
-                </a:solidFill>
-                <a:latin typeface="微軟正黑體" pitchFamily="34" charset="-120"/>
-                <a:ea typeface="微軟正黑體" pitchFamily="34" charset="-120"/>
-              </a:rPr>
-              <a:t>敬拜聲音如眾水湧流</a:t>
-            </a:r>
-            <a:endParaRPr lang="en-US" altLang="zh-TW" sz="4400" b="1" dirty="0" smtClean="0">
-              <a:solidFill>
-                <a:srgbClr val="660033"/>
-              </a:solidFill>
-              <a:latin typeface="微軟正黑體" pitchFamily="34" charset="-120"/>
-              <a:ea typeface="微軟正黑體" pitchFamily="34" charset="-120"/>
-            </a:endParaRPr>
-          </a:p>
-          <a:p>
-            <a:pPr algn="ctr">
-              <a:buNone/>
-            </a:pPr>
-            <a:r>
-              <a:rPr lang="zh-TW" altLang="en-US" sz="4400" b="1" dirty="0" smtClean="0">
-                <a:solidFill>
-                  <a:srgbClr val="660033"/>
-                </a:solidFill>
-                <a:latin typeface="微軟正黑體" pitchFamily="34" charset="-120"/>
-                <a:ea typeface="微軟正黑體" pitchFamily="34" charset="-120"/>
-              </a:rPr>
-              <a:t>永活的主你在這裡</a:t>
-            </a:r>
-            <a:endParaRPr lang="zh-TW" altLang="en-US" sz="4400" b="1" dirty="0">
-              <a:solidFill>
-                <a:srgbClr val="660033"/>
-              </a:solidFill>
-              <a:latin typeface="微軟正黑體" pitchFamily="34" charset="-120"/>
-              <a:ea typeface="微軟正黑體" pitchFamily="34" charset="-120"/>
-            </a:endParaRPr>
-          </a:p>
         </p:txBody>
       </p:sp>
     </p:spTree>
+    <p:extLst>
+      <p:ext uri="{BB962C8B-B14F-4D97-AF65-F5344CB8AC3E}">
+        <p14:creationId xmlns:p14="http://schemas.microsoft.com/office/powerpoint/2010/main" val="437276509"/>
+      </p:ext>
+    </p:extLst>
   </p:cSld>
   <p:clrMapOvr>
     <a:masterClrMapping/>
@@ -3556,65 +3345,65 @@
       </p:grpSpPr>
       <p:sp>
         <p:nvSpPr>
-          <p:cNvPr id="2" name="標題 1"/>
-          <p:cNvSpPr>
-            <a:spLocks noGrp="1"/>
-          </p:cNvSpPr>
-          <p:nvPr>
-            <p:ph type="title"/>
-          </p:nvPr>
-        </p:nvSpPr>
-        <p:spPr/>
-        <p:txBody>
-          <a:bodyPr>
+          <p:cNvPr id="5" name="內容版面配置區 4"/>
+          <p:cNvSpPr>
+            <a:spLocks noGrp="1"/>
+          </p:cNvSpPr>
+          <p:nvPr>
+            <p:ph idx="1"/>
+          </p:nvPr>
+        </p:nvSpPr>
+        <p:spPr>
+          <a:xfrm>
+            <a:off x="0" y="1563638"/>
+            <a:ext cx="9144000" cy="1803647"/>
+          </a:xfrm>
+        </p:spPr>
+        <p:txBody>
+          <a:bodyPr anchor="ctr">
             <a:normAutofit/>
           </a:bodyPr>
           <a:lstStyle/>
           <a:p>
-            <a:r>
-              <a:rPr lang="zh-TW" altLang="en-US" sz="4000" b="1" dirty="0">
+            <a:pPr algn="ctr">
+              <a:buNone/>
+            </a:pPr>
+            <a:r>
+              <a:rPr lang="zh-TW" altLang="en-US" sz="4800" b="1" dirty="0">
                 <a:solidFill>
                   <a:srgbClr val="660033"/>
                 </a:solidFill>
                 <a:latin typeface="微軟正黑體" pitchFamily="34" charset="-120"/>
                 <a:ea typeface="微軟正黑體" pitchFamily="34" charset="-120"/>
               </a:rPr>
-              <a:t>這裡有榮耀</a:t>
-            </a:r>
-          </a:p>
-        </p:txBody>
-      </p:sp>
-      <p:sp>
-        <p:nvSpPr>
-          <p:cNvPr id="3" name="內容版面配置區 2"/>
-          <p:cNvSpPr>
-            <a:spLocks noGrp="1"/>
-          </p:cNvSpPr>
-          <p:nvPr>
-            <p:ph idx="1"/>
-          </p:nvPr>
-        </p:nvSpPr>
-        <p:spPr/>
-        <p:txBody>
-          <a:bodyPr>
-            <a:normAutofit/>
-          </a:bodyPr>
-          <a:lstStyle/>
-          <a:p>
-            <a:pPr algn="ctr">
-              <a:buNone/>
-            </a:pPr>
-            <a:r>
-              <a:rPr lang="zh-TW" altLang="en-US" sz="4400" b="1" dirty="0">
+              <a:t>哈利路亞   哈利路亞</a:t>
+            </a:r>
+            <a:r>
+              <a:rPr lang="en-US" altLang="zh-TW" sz="4800" b="1" dirty="0">
                 <a:solidFill>
                   <a:srgbClr val="660033"/>
                 </a:solidFill>
                 <a:latin typeface="微軟正黑體" pitchFamily="34" charset="-120"/>
                 <a:ea typeface="微軟正黑體" pitchFamily="34" charset="-120"/>
               </a:rPr>
-              <a:t>你是起初的   末後的</a:t>
-            </a:r>
-            <a:endParaRPr lang="en-US" altLang="zh-TW" sz="4400" b="1" dirty="0">
+              <a:t>  </a:t>
+            </a:r>
+          </a:p>
+          <a:p>
+            <a:pPr algn="ctr">
+              <a:buNone/>
+            </a:pPr>
+            <a:r>
+              <a:rPr lang="zh-TW" altLang="en-US" sz="4800" b="1" dirty="0">
+                <a:solidFill>
+                  <a:srgbClr val="660033"/>
+                </a:solidFill>
+                <a:latin typeface="微軟正黑體" pitchFamily="34" charset="-120"/>
+                <a:ea typeface="微軟正黑體" pitchFamily="34" charset="-120"/>
+              </a:rPr>
+              <a:t>這裡有醫治湧流</a:t>
+            </a:r>
+            <a:endParaRPr lang="zh-TW" altLang="en-US" sz="4800" b="1" dirty="0">
               <a:solidFill>
                 <a:srgbClr val="660033"/>
               </a:solidFill>
@@ -3622,68 +3411,76 @@
               <a:ea typeface="微軟正黑體" pitchFamily="34" charset="-120"/>
             </a:endParaRPr>
           </a:p>
-          <a:p>
-            <a:pPr algn="ctr">
-              <a:buNone/>
-            </a:pPr>
-            <a:r>
-              <a:rPr lang="zh-TW" altLang="en-US" sz="4400" b="1" dirty="0">
-                <a:solidFill>
-                  <a:srgbClr val="660033"/>
-                </a:solidFill>
-                <a:latin typeface="微軟正黑體" pitchFamily="34" charset="-120"/>
-                <a:ea typeface="微軟正黑體" pitchFamily="34" charset="-120"/>
-              </a:rPr>
-              <a:t>昔在今在永在的主</a:t>
-            </a:r>
-            <a:endParaRPr lang="en-US" altLang="zh-TW" sz="4400" b="1" dirty="0">
+        </p:txBody>
+      </p:sp>
+      <p:sp>
+        <p:nvSpPr>
+          <p:cNvPr id="3" name="TextBox 2"/>
+          <p:cNvSpPr txBox="1"/>
+          <p:nvPr/>
+        </p:nvSpPr>
+        <p:spPr>
+          <a:xfrm>
+            <a:off x="0" y="3867894"/>
+            <a:ext cx="9144000" cy="461665"/>
+          </a:xfrm>
+          <a:prstGeom prst="rect">
+            <a:avLst/>
+          </a:prstGeom>
+          <a:noFill/>
+        </p:spPr>
+        <p:txBody>
+          <a:bodyPr wrap="square" rtlCol="0">
+            <a:spAutoFit/>
+          </a:bodyPr>
+          <a:lstStyle/>
+          <a:p>
+            <a:pPr algn="ctr"/>
+            <a:r>
+              <a:rPr lang="en-US" sz="2400" b="1" dirty="0" smtClean="0">
+                <a:solidFill>
+                  <a:srgbClr val="660033"/>
+                </a:solidFill>
+                <a:latin typeface="Microsoft JhengHei" panose="020B0604030504040204" pitchFamily="34" charset="-120"/>
+                <a:ea typeface="Microsoft JhengHei" panose="020B0604030504040204" pitchFamily="34" charset="-120"/>
+              </a:rPr>
+              <a:t>( </a:t>
+            </a:r>
+            <a:r>
+              <a:rPr lang="zh-CN" altLang="en-US" sz="2400" b="1" dirty="0" smtClean="0">
+                <a:solidFill>
+                  <a:srgbClr val="660033"/>
+                </a:solidFill>
+                <a:latin typeface="Microsoft JhengHei" panose="020B0604030504040204" pitchFamily="34" charset="-120"/>
+                <a:ea typeface="Microsoft JhengHei" panose="020B0604030504040204" pitchFamily="34" charset="-120"/>
+              </a:rPr>
+              <a:t>正</a:t>
+            </a:r>
+            <a:r>
+              <a:rPr lang="en-US" sz="2400" b="1" dirty="0" smtClean="0">
+                <a:solidFill>
+                  <a:srgbClr val="660033"/>
+                </a:solidFill>
+                <a:latin typeface="Microsoft JhengHei" panose="020B0604030504040204" pitchFamily="34" charset="-120"/>
+                <a:ea typeface="Microsoft JhengHei" panose="020B0604030504040204" pitchFamily="34" charset="-120"/>
+              </a:rPr>
+              <a:t> )</a:t>
+            </a:r>
+            <a:endParaRPr lang="vi-VN" sz="2400" b="1" dirty="0">
               <a:solidFill>
                 <a:srgbClr val="660033"/>
               </a:solidFill>
-              <a:latin typeface="微軟正黑體" pitchFamily="34" charset="-120"/>
-              <a:ea typeface="微軟正黑體" pitchFamily="34" charset="-120"/>
+              <a:ea typeface="Microsoft JhengHei" panose="020B0604030504040204" pitchFamily="34" charset="-120"/>
             </a:endParaRPr>
           </a:p>
-          <a:p>
-            <a:pPr algn="ctr">
-              <a:buNone/>
-            </a:pPr>
-            <a:r>
-              <a:rPr lang="zh-TW" altLang="en-US" sz="4400" b="1" dirty="0">
-                <a:solidFill>
-                  <a:srgbClr val="660033"/>
-                </a:solidFill>
-                <a:latin typeface="微軟正黑體" pitchFamily="34" charset="-120"/>
-                <a:ea typeface="微軟正黑體" pitchFamily="34" charset="-120"/>
-              </a:rPr>
-              <a:t>全心敬拜你   大聲歡呼</a:t>
-            </a:r>
-            <a:endParaRPr lang="en-US" altLang="zh-TW" sz="4400" b="1" dirty="0">
-              <a:solidFill>
-                <a:srgbClr val="660033"/>
-              </a:solidFill>
-              <a:latin typeface="微軟正黑體" pitchFamily="34" charset="-120"/>
-              <a:ea typeface="微軟正黑體" pitchFamily="34" charset="-120"/>
-            </a:endParaRPr>
-          </a:p>
-          <a:p>
-            <a:pPr algn="ctr">
-              <a:buNone/>
-            </a:pPr>
-            <a:r>
-              <a:rPr lang="zh-TW" altLang="en-US" sz="4400" b="1" dirty="0">
-                <a:solidFill>
-                  <a:srgbClr val="660033"/>
-                </a:solidFill>
-                <a:latin typeface="微軟正黑體" pitchFamily="34" charset="-120"/>
-                <a:ea typeface="微軟正黑體" pitchFamily="34" charset="-120"/>
-              </a:rPr>
-              <a:t>羔羊被高舉</a:t>
-            </a:r>
-          </a:p>
         </p:txBody>
       </p:sp>
     </p:spTree>
+    <p:extLst>
+      <p:ext uri="{BB962C8B-B14F-4D97-AF65-F5344CB8AC3E}">
+        <p14:creationId xmlns:p14="http://schemas.microsoft.com/office/powerpoint/2010/main" val="370084902"/>
+      </p:ext>
+    </p:extLst>
   </p:cSld>
   <p:clrMapOvr>
     <a:masterClrMapping/>
@@ -3710,65 +3507,40 @@
       </p:grpSpPr>
       <p:sp>
         <p:nvSpPr>
-          <p:cNvPr id="2" name="標題 1"/>
-          <p:cNvSpPr>
-            <a:spLocks noGrp="1"/>
-          </p:cNvSpPr>
-          <p:nvPr>
-            <p:ph type="title"/>
-          </p:nvPr>
-        </p:nvSpPr>
-        <p:spPr/>
-        <p:txBody>
-          <a:bodyPr>
+          <p:cNvPr id="5" name="內容版面配置區 4"/>
+          <p:cNvSpPr>
+            <a:spLocks noGrp="1"/>
+          </p:cNvSpPr>
+          <p:nvPr>
+            <p:ph idx="1"/>
+          </p:nvPr>
+        </p:nvSpPr>
+        <p:spPr>
+          <a:xfrm>
+            <a:off x="0" y="1563638"/>
+            <a:ext cx="9144000" cy="1803647"/>
+          </a:xfrm>
+        </p:spPr>
+        <p:txBody>
+          <a:bodyPr anchor="ctr">
             <a:normAutofit/>
           </a:bodyPr>
           <a:lstStyle/>
           <a:p>
-            <a:r>
-              <a:rPr lang="zh-TW" altLang="en-US" sz="4000" b="1" dirty="0">
+            <a:pPr algn="ctr">
+              <a:buNone/>
+            </a:pPr>
+            <a:r>
+              <a:rPr lang="zh-TW" altLang="en-US" sz="4800" b="1" dirty="0">
                 <a:solidFill>
                   <a:srgbClr val="660033"/>
                 </a:solidFill>
                 <a:latin typeface="微軟正黑體" pitchFamily="34" charset="-120"/>
                 <a:ea typeface="微軟正黑體" pitchFamily="34" charset="-120"/>
               </a:rPr>
-              <a:t>這裡有榮耀</a:t>
-            </a:r>
-          </a:p>
-        </p:txBody>
-      </p:sp>
-      <p:sp>
-        <p:nvSpPr>
-          <p:cNvPr id="3" name="內容版面配置區 2"/>
-          <p:cNvSpPr>
-            <a:spLocks noGrp="1"/>
-          </p:cNvSpPr>
-          <p:nvPr>
-            <p:ph idx="1"/>
-          </p:nvPr>
-        </p:nvSpPr>
-        <p:spPr/>
-        <p:txBody>
-          <a:bodyPr>
-            <a:normAutofit/>
-          </a:bodyPr>
-          <a:lstStyle/>
-          <a:p>
-            <a:pPr algn="ctr">
-              <a:buNone/>
-            </a:pPr>
-            <a:r>
-              <a:rPr lang="zh-TW" altLang="en-US" sz="4400" b="1" dirty="0">
-                <a:solidFill>
-                  <a:srgbClr val="660033"/>
-                </a:solidFill>
-                <a:latin typeface="微軟正黑體" pitchFamily="34" charset="-120"/>
-                <a:ea typeface="微軟正黑體" pitchFamily="34" charset="-120"/>
-              </a:rPr>
-              <a:t>公義的日頭   如光照耀</a:t>
-            </a:r>
-            <a:endParaRPr lang="en-US" altLang="zh-TW" sz="4400" b="1" dirty="0">
+              <a:t>哈利路亞   哈利路亞</a:t>
+            </a:r>
+            <a:endParaRPr lang="en-US" altLang="zh-TW" sz="4800" b="1" dirty="0">
               <a:solidFill>
                 <a:srgbClr val="660033"/>
               </a:solidFill>
@@ -3781,16 +3553,16 @@
               <a:buNone/>
             </a:pPr>
             <a:r>
-              <a:rPr lang="zh-TW" altLang="en-US" sz="4400" b="1" dirty="0">
+              <a:rPr lang="zh-TW" altLang="en-US" sz="4800" b="1" dirty="0">
                 <a:solidFill>
                   <a:srgbClr val="660033"/>
                 </a:solidFill>
                 <a:latin typeface="微軟正黑體" pitchFamily="34" charset="-120"/>
                 <a:ea typeface="微軟正黑體" pitchFamily="34" charset="-120"/>
               </a:rPr>
-              <a:t>萬國讚嘆你的榮美</a:t>
-            </a:r>
-            <a:endParaRPr lang="en-US" altLang="zh-TW" sz="4400" b="1" dirty="0">
+              <a:t>這裡有光明自由</a:t>
+            </a:r>
+            <a:endParaRPr lang="en-US" altLang="zh-TW" sz="4800" b="1" dirty="0">
               <a:solidFill>
                 <a:srgbClr val="660033"/>
               </a:solidFill>
@@ -3798,21 +3570,136 @@
               <a:ea typeface="微軟正黑體" pitchFamily="34" charset="-120"/>
             </a:endParaRPr>
           </a:p>
+        </p:txBody>
+      </p:sp>
+      <p:sp>
+        <p:nvSpPr>
+          <p:cNvPr id="3" name="TextBox 2"/>
+          <p:cNvSpPr txBox="1"/>
+          <p:nvPr/>
+        </p:nvSpPr>
+        <p:spPr>
+          <a:xfrm>
+            <a:off x="0" y="3867894"/>
+            <a:ext cx="9144000" cy="461665"/>
+          </a:xfrm>
+          <a:prstGeom prst="rect">
+            <a:avLst/>
+          </a:prstGeom>
+          <a:noFill/>
+        </p:spPr>
+        <p:txBody>
+          <a:bodyPr wrap="square" rtlCol="0">
+            <a:spAutoFit/>
+          </a:bodyPr>
+          <a:lstStyle/>
+          <a:p>
+            <a:pPr algn="ctr"/>
+            <a:r>
+              <a:rPr lang="en-US" sz="2400" b="1" dirty="0" smtClean="0">
+                <a:solidFill>
+                  <a:srgbClr val="660033"/>
+                </a:solidFill>
+                <a:latin typeface="Microsoft JhengHei" panose="020B0604030504040204" pitchFamily="34" charset="-120"/>
+                <a:ea typeface="Microsoft JhengHei" panose="020B0604030504040204" pitchFamily="34" charset="-120"/>
+              </a:rPr>
+              <a:t>( </a:t>
+            </a:r>
+            <a:r>
+              <a:rPr lang="zh-CN" altLang="en-US" sz="2400" b="1" dirty="0" smtClean="0">
+                <a:solidFill>
+                  <a:srgbClr val="660033"/>
+                </a:solidFill>
+                <a:latin typeface="Microsoft JhengHei" panose="020B0604030504040204" pitchFamily="34" charset="-120"/>
+                <a:ea typeface="Microsoft JhengHei" panose="020B0604030504040204" pitchFamily="34" charset="-120"/>
+              </a:rPr>
+              <a:t>正</a:t>
+            </a:r>
+            <a:r>
+              <a:rPr lang="en-US" sz="2400" b="1" dirty="0" smtClean="0">
+                <a:solidFill>
+                  <a:srgbClr val="660033"/>
+                </a:solidFill>
+                <a:latin typeface="Microsoft JhengHei" panose="020B0604030504040204" pitchFamily="34" charset="-120"/>
+                <a:ea typeface="Microsoft JhengHei" panose="020B0604030504040204" pitchFamily="34" charset="-120"/>
+              </a:rPr>
+              <a:t> )</a:t>
+            </a:r>
+            <a:endParaRPr lang="vi-VN" sz="2400" b="1" dirty="0">
+              <a:solidFill>
+                <a:srgbClr val="660033"/>
+              </a:solidFill>
+              <a:ea typeface="Microsoft JhengHei" panose="020B0604030504040204" pitchFamily="34" charset="-120"/>
+            </a:endParaRPr>
+          </a:p>
+        </p:txBody>
+      </p:sp>
+    </p:spTree>
+    <p:extLst>
+      <p:ext uri="{BB962C8B-B14F-4D97-AF65-F5344CB8AC3E}">
+        <p14:creationId xmlns:p14="http://schemas.microsoft.com/office/powerpoint/2010/main" val="1533192032"/>
+      </p:ext>
+    </p:extLst>
+  </p:cSld>
+  <p:clrMapOvr>
+    <a:masterClrMapping/>
+  </p:clrMapOvr>
+</p:sld>
+</file>
+
+<file path=ppt/slides/slide5.xml><?xml version="1.0" encoding="utf-8"?>
+<p:sld xmlns:a="http://schemas.openxmlformats.org/drawingml/2006/main" xmlns:r="http://schemas.openxmlformats.org/officeDocument/2006/relationships" xmlns:p="http://schemas.openxmlformats.org/presentationml/2006/main">
+  <p:cSld>
+    <p:spTree>
+      <p:nvGrpSpPr>
+        <p:cNvPr id="1" name=""/>
+        <p:cNvGrpSpPr/>
+        <p:nvPr/>
+      </p:nvGrpSpPr>
+      <p:grpSpPr>
+        <a:xfrm>
+          <a:off x="0" y="0"/>
+          <a:ext cx="0" cy="0"/>
+          <a:chOff x="0" y="0"/>
+          <a:chExt cx="0" cy="0"/>
+        </a:xfrm>
+      </p:grpSpPr>
+      <p:sp>
+        <p:nvSpPr>
+          <p:cNvPr id="5" name="內容版面配置區 4"/>
+          <p:cNvSpPr>
+            <a:spLocks noGrp="1"/>
+          </p:cNvSpPr>
+          <p:nvPr>
+            <p:ph idx="1"/>
+          </p:nvPr>
+        </p:nvSpPr>
+        <p:spPr>
+          <a:xfrm>
+            <a:off x="0" y="1563638"/>
+            <a:ext cx="9144000" cy="1803647"/>
+          </a:xfrm>
+        </p:spPr>
+        <p:txBody>
+          <a:bodyPr anchor="ctr">
+            <a:normAutofit/>
+          </a:bodyPr>
+          <a:lstStyle/>
           <a:p>
             <a:pPr algn="ctr">
               <a:buNone/>
             </a:pPr>
             <a:r>
-              <a:rPr lang="zh-TW" altLang="en-US" sz="4400" b="1" dirty="0">
+              <a:rPr lang="zh-TW" altLang="en-US" sz="4800" b="1" dirty="0">
                 <a:solidFill>
                   <a:srgbClr val="660033"/>
                 </a:solidFill>
                 <a:latin typeface="微軟正黑體" pitchFamily="34" charset="-120"/>
                 <a:ea typeface="微軟正黑體" pitchFamily="34" charset="-120"/>
               </a:rPr>
-              <a:t>聖潔公義主   明亮晨星</a:t>
-            </a:r>
-            <a:endParaRPr lang="en-US" altLang="zh-TW" sz="4400" b="1" dirty="0">
+              <a:t>敬拜聲音如眾水湧流</a:t>
+            </a:r>
+            <a:endParaRPr lang="en-US" altLang="zh-TW" sz="4800" b="1" dirty="0">
               <a:solidFill>
                 <a:srgbClr val="660033"/>
               </a:solidFill>
@@ -3825,19 +3712,882 @@
               <a:buNone/>
             </a:pPr>
             <a:r>
-              <a:rPr lang="zh-TW" altLang="en-US" sz="4400" b="1" dirty="0">
+              <a:rPr lang="zh-TW" altLang="en-US" sz="4800" b="1" dirty="0">
                 <a:solidFill>
                   <a:srgbClr val="660033"/>
                 </a:solidFill>
                 <a:latin typeface="微軟正黑體" pitchFamily="34" charset="-120"/>
                 <a:ea typeface="微軟正黑體" pitchFamily="34" charset="-120"/>
               </a:rPr>
+              <a:t>永活的</a:t>
+            </a:r>
+            <a:r>
+              <a:rPr lang="zh-TW" altLang="en-US" sz="4800" b="1" dirty="0">
+                <a:solidFill>
+                  <a:srgbClr val="660033"/>
+                </a:solidFill>
+                <a:latin typeface="微軟正黑體" pitchFamily="34" charset="-120"/>
+                <a:ea typeface="微軟正黑體" pitchFamily="34" charset="-120"/>
+              </a:rPr>
+              <a:t>主</a:t>
+            </a:r>
+            <a:r>
+              <a:rPr lang="zh-TW" altLang="en-US" sz="4800" b="1" dirty="0">
+                <a:solidFill>
+                  <a:srgbClr val="660033"/>
+                </a:solidFill>
+                <a:latin typeface="微軟正黑體" pitchFamily="34" charset="-120"/>
+                <a:ea typeface="微軟正黑體" pitchFamily="34" charset="-120"/>
+              </a:rPr>
+              <a:t>祢</a:t>
+            </a:r>
+            <a:r>
+              <a:rPr lang="zh-TW" altLang="en-US" sz="4800" b="1" dirty="0">
+                <a:solidFill>
+                  <a:srgbClr val="660033"/>
+                </a:solidFill>
+                <a:latin typeface="微軟正黑體" pitchFamily="34" charset="-120"/>
+                <a:ea typeface="微軟正黑體" pitchFamily="34" charset="-120"/>
+              </a:rPr>
+              <a:t>在</a:t>
+            </a:r>
+            <a:r>
+              <a:rPr lang="zh-TW" altLang="en-US" sz="4800" b="1" dirty="0">
+                <a:solidFill>
+                  <a:srgbClr val="660033"/>
+                </a:solidFill>
+                <a:latin typeface="微軟正黑體" pitchFamily="34" charset="-120"/>
+                <a:ea typeface="微軟正黑體" pitchFamily="34" charset="-120"/>
+              </a:rPr>
+              <a:t>這裡</a:t>
+            </a:r>
+          </a:p>
+        </p:txBody>
+      </p:sp>
+      <p:sp>
+        <p:nvSpPr>
+          <p:cNvPr id="3" name="TextBox 2"/>
+          <p:cNvSpPr txBox="1"/>
+          <p:nvPr/>
+        </p:nvSpPr>
+        <p:spPr>
+          <a:xfrm>
+            <a:off x="0" y="3867894"/>
+            <a:ext cx="9144000" cy="461665"/>
+          </a:xfrm>
+          <a:prstGeom prst="rect">
+            <a:avLst/>
+          </a:prstGeom>
+          <a:noFill/>
+        </p:spPr>
+        <p:txBody>
+          <a:bodyPr wrap="square" rtlCol="0">
+            <a:spAutoFit/>
+          </a:bodyPr>
+          <a:lstStyle/>
+          <a:p>
+            <a:pPr algn="ctr"/>
+            <a:r>
+              <a:rPr lang="en-US" sz="2400" b="1" dirty="0" smtClean="0">
+                <a:solidFill>
+                  <a:srgbClr val="660033"/>
+                </a:solidFill>
+                <a:latin typeface="Microsoft JhengHei" panose="020B0604030504040204" pitchFamily="34" charset="-120"/>
+                <a:ea typeface="Microsoft JhengHei" panose="020B0604030504040204" pitchFamily="34" charset="-120"/>
+              </a:rPr>
+              <a:t>( </a:t>
+            </a:r>
+            <a:r>
+              <a:rPr lang="zh-CN" altLang="en-US" sz="2400" b="1" dirty="0" smtClean="0">
+                <a:solidFill>
+                  <a:srgbClr val="660033"/>
+                </a:solidFill>
+                <a:latin typeface="Microsoft JhengHei" panose="020B0604030504040204" pitchFamily="34" charset="-120"/>
+                <a:ea typeface="Microsoft JhengHei" panose="020B0604030504040204" pitchFamily="34" charset="-120"/>
+              </a:rPr>
+              <a:t>正</a:t>
+            </a:r>
+            <a:r>
+              <a:rPr lang="en-US" sz="2400" b="1" dirty="0" smtClean="0">
+                <a:solidFill>
+                  <a:srgbClr val="660033"/>
+                </a:solidFill>
+                <a:latin typeface="Microsoft JhengHei" panose="020B0604030504040204" pitchFamily="34" charset="-120"/>
+                <a:ea typeface="Microsoft JhengHei" panose="020B0604030504040204" pitchFamily="34" charset="-120"/>
+              </a:rPr>
+              <a:t> )</a:t>
+            </a:r>
+            <a:endParaRPr lang="vi-VN" sz="2400" b="1" dirty="0">
+              <a:solidFill>
+                <a:srgbClr val="660033"/>
+              </a:solidFill>
+              <a:ea typeface="Microsoft JhengHei" panose="020B0604030504040204" pitchFamily="34" charset="-120"/>
+            </a:endParaRPr>
+          </a:p>
+        </p:txBody>
+      </p:sp>
+    </p:spTree>
+    <p:extLst>
+      <p:ext uri="{BB962C8B-B14F-4D97-AF65-F5344CB8AC3E}">
+        <p14:creationId xmlns:p14="http://schemas.microsoft.com/office/powerpoint/2010/main" val="682149911"/>
+      </p:ext>
+    </p:extLst>
+  </p:cSld>
+  <p:clrMapOvr>
+    <a:masterClrMapping/>
+  </p:clrMapOvr>
+</p:sld>
+</file>
+
+<file path=ppt/slides/slide6.xml><?xml version="1.0" encoding="utf-8"?>
+<p:sld xmlns:a="http://schemas.openxmlformats.org/drawingml/2006/main" xmlns:r="http://schemas.openxmlformats.org/officeDocument/2006/relationships" xmlns:p="http://schemas.openxmlformats.org/presentationml/2006/main">
+  <p:cSld>
+    <p:spTree>
+      <p:nvGrpSpPr>
+        <p:cNvPr id="1" name=""/>
+        <p:cNvGrpSpPr/>
+        <p:nvPr/>
+      </p:nvGrpSpPr>
+      <p:grpSpPr>
+        <a:xfrm>
+          <a:off x="0" y="0"/>
+          <a:ext cx="0" cy="0"/>
+          <a:chOff x="0" y="0"/>
+          <a:chExt cx="0" cy="0"/>
+        </a:xfrm>
+      </p:grpSpPr>
+      <p:sp>
+        <p:nvSpPr>
+          <p:cNvPr id="5" name="內容版面配置區 4"/>
+          <p:cNvSpPr>
+            <a:spLocks noGrp="1"/>
+          </p:cNvSpPr>
+          <p:nvPr>
+            <p:ph idx="1"/>
+          </p:nvPr>
+        </p:nvSpPr>
+        <p:spPr>
+          <a:xfrm>
+            <a:off x="0" y="1563638"/>
+            <a:ext cx="9144000" cy="1803647"/>
+          </a:xfrm>
+        </p:spPr>
+        <p:txBody>
+          <a:bodyPr anchor="ctr">
+            <a:normAutofit/>
+          </a:bodyPr>
+          <a:lstStyle/>
+          <a:p>
+            <a:pPr algn="ctr">
+              <a:buNone/>
+            </a:pPr>
+            <a:r>
+              <a:rPr lang="zh-TW" altLang="en-US" sz="4800" b="1" dirty="0">
+                <a:solidFill>
+                  <a:srgbClr val="660033"/>
+                </a:solidFill>
+                <a:latin typeface="微軟正黑體" pitchFamily="34" charset="-120"/>
+                <a:ea typeface="微軟正黑體" pitchFamily="34" charset="-120"/>
+              </a:rPr>
+              <a:t>祢</a:t>
+            </a:r>
+            <a:r>
+              <a:rPr lang="zh-TW" altLang="en-US" sz="4800" b="1" dirty="0" smtClean="0">
+                <a:solidFill>
+                  <a:srgbClr val="660033"/>
+                </a:solidFill>
+                <a:latin typeface="微軟正黑體" pitchFamily="34" charset="-120"/>
+                <a:ea typeface="微軟正黑體" pitchFamily="34" charset="-120"/>
+              </a:rPr>
+              <a:t>是</a:t>
+            </a:r>
+            <a:r>
+              <a:rPr lang="zh-TW" altLang="en-US" sz="4800" b="1" dirty="0">
+                <a:solidFill>
+                  <a:srgbClr val="660033"/>
+                </a:solidFill>
+                <a:latin typeface="微軟正黑體" pitchFamily="34" charset="-120"/>
+                <a:ea typeface="微軟正黑體" pitchFamily="34" charset="-120"/>
+              </a:rPr>
+              <a:t>起初的   末後的</a:t>
+            </a:r>
+            <a:endParaRPr lang="en-US" altLang="zh-TW" sz="4800" b="1" dirty="0">
+              <a:solidFill>
+                <a:srgbClr val="660033"/>
+              </a:solidFill>
+              <a:latin typeface="微軟正黑體" pitchFamily="34" charset="-120"/>
+              <a:ea typeface="微軟正黑體" pitchFamily="34" charset="-120"/>
+            </a:endParaRPr>
+          </a:p>
+          <a:p>
+            <a:pPr algn="ctr">
+              <a:buNone/>
+            </a:pPr>
+            <a:r>
+              <a:rPr lang="zh-TW" altLang="en-US" sz="4800" b="1" dirty="0">
+                <a:solidFill>
+                  <a:srgbClr val="660033"/>
+                </a:solidFill>
+                <a:latin typeface="微軟正黑體" pitchFamily="34" charset="-120"/>
+                <a:ea typeface="微軟正黑體" pitchFamily="34" charset="-120"/>
+              </a:rPr>
+              <a:t>昔在今在永在的主</a:t>
+            </a:r>
+            <a:endParaRPr lang="en-US" altLang="zh-TW" sz="4800" b="1" dirty="0">
+              <a:solidFill>
+                <a:srgbClr val="660033"/>
+              </a:solidFill>
+              <a:latin typeface="微軟正黑體" pitchFamily="34" charset="-120"/>
+              <a:ea typeface="微軟正黑體" pitchFamily="34" charset="-120"/>
+            </a:endParaRPr>
+          </a:p>
+        </p:txBody>
+      </p:sp>
+      <p:sp>
+        <p:nvSpPr>
+          <p:cNvPr id="3" name="TextBox 2"/>
+          <p:cNvSpPr txBox="1"/>
+          <p:nvPr/>
+        </p:nvSpPr>
+        <p:spPr>
+          <a:xfrm>
+            <a:off x="0" y="3867894"/>
+            <a:ext cx="9144000" cy="461665"/>
+          </a:xfrm>
+          <a:prstGeom prst="rect">
+            <a:avLst/>
+          </a:prstGeom>
+          <a:noFill/>
+        </p:spPr>
+        <p:txBody>
+          <a:bodyPr wrap="square" rtlCol="0">
+            <a:spAutoFit/>
+          </a:bodyPr>
+          <a:lstStyle/>
+          <a:p>
+            <a:pPr algn="ctr"/>
+            <a:r>
+              <a:rPr lang="en-US" sz="2400" b="1" dirty="0" smtClean="0">
+                <a:solidFill>
+                  <a:srgbClr val="660033"/>
+                </a:solidFill>
+                <a:latin typeface="Microsoft JhengHei" panose="020B0604030504040204" pitchFamily="34" charset="-120"/>
+                <a:ea typeface="Microsoft JhengHei" panose="020B0604030504040204" pitchFamily="34" charset="-120"/>
+              </a:rPr>
+              <a:t>( </a:t>
+            </a:r>
+            <a:r>
+              <a:rPr lang="zh-CN" altLang="en-US" sz="2400" b="1" dirty="0" smtClean="0">
+                <a:solidFill>
+                  <a:srgbClr val="660033"/>
+                </a:solidFill>
+                <a:latin typeface="Microsoft JhengHei" panose="020B0604030504040204" pitchFamily="34" charset="-120"/>
+                <a:ea typeface="Microsoft JhengHei" panose="020B0604030504040204" pitchFamily="34" charset="-120"/>
+              </a:rPr>
+              <a:t>副</a:t>
+            </a:r>
+            <a:r>
+              <a:rPr lang="en-US" sz="2400" b="1" dirty="0" smtClean="0">
+                <a:solidFill>
+                  <a:srgbClr val="660033"/>
+                </a:solidFill>
+                <a:latin typeface="Microsoft JhengHei" panose="020B0604030504040204" pitchFamily="34" charset="-120"/>
+                <a:ea typeface="Microsoft JhengHei" panose="020B0604030504040204" pitchFamily="34" charset="-120"/>
+              </a:rPr>
+              <a:t> </a:t>
+            </a:r>
+            <a:r>
+              <a:rPr lang="en-US" sz="2400" b="1" dirty="0" smtClean="0">
+                <a:solidFill>
+                  <a:srgbClr val="660033"/>
+                </a:solidFill>
+                <a:latin typeface="Microsoft JhengHei" panose="020B0604030504040204" pitchFamily="34" charset="-120"/>
+                <a:ea typeface="Microsoft JhengHei" panose="020B0604030504040204" pitchFamily="34" charset="-120"/>
+              </a:rPr>
+              <a:t>)</a:t>
+            </a:r>
+            <a:endParaRPr lang="vi-VN" sz="2400" b="1" dirty="0">
+              <a:solidFill>
+                <a:srgbClr val="660033"/>
+              </a:solidFill>
+              <a:ea typeface="Microsoft JhengHei" panose="020B0604030504040204" pitchFamily="34" charset="-120"/>
+            </a:endParaRPr>
+          </a:p>
+        </p:txBody>
+      </p:sp>
+    </p:spTree>
+    <p:extLst>
+      <p:ext uri="{BB962C8B-B14F-4D97-AF65-F5344CB8AC3E}">
+        <p14:creationId xmlns:p14="http://schemas.microsoft.com/office/powerpoint/2010/main" val="1472624268"/>
+      </p:ext>
+    </p:extLst>
+  </p:cSld>
+  <p:clrMapOvr>
+    <a:masterClrMapping/>
+  </p:clrMapOvr>
+</p:sld>
+</file>
+
+<file path=ppt/slides/slide7.xml><?xml version="1.0" encoding="utf-8"?>
+<p:sld xmlns:a="http://schemas.openxmlformats.org/drawingml/2006/main" xmlns:r="http://schemas.openxmlformats.org/officeDocument/2006/relationships" xmlns:p="http://schemas.openxmlformats.org/presentationml/2006/main">
+  <p:cSld>
+    <p:spTree>
+      <p:nvGrpSpPr>
+        <p:cNvPr id="1" name=""/>
+        <p:cNvGrpSpPr/>
+        <p:nvPr/>
+      </p:nvGrpSpPr>
+      <p:grpSpPr>
+        <a:xfrm>
+          <a:off x="0" y="0"/>
+          <a:ext cx="0" cy="0"/>
+          <a:chOff x="0" y="0"/>
+          <a:chExt cx="0" cy="0"/>
+        </a:xfrm>
+      </p:grpSpPr>
+      <p:sp>
+        <p:nvSpPr>
+          <p:cNvPr id="5" name="內容版面配置區 4"/>
+          <p:cNvSpPr>
+            <a:spLocks noGrp="1"/>
+          </p:cNvSpPr>
+          <p:nvPr>
+            <p:ph idx="1"/>
+          </p:nvPr>
+        </p:nvSpPr>
+        <p:spPr>
+          <a:xfrm>
+            <a:off x="0" y="1563638"/>
+            <a:ext cx="9144000" cy="1803647"/>
+          </a:xfrm>
+        </p:spPr>
+        <p:txBody>
+          <a:bodyPr anchor="ctr">
+            <a:normAutofit/>
+          </a:bodyPr>
+          <a:lstStyle/>
+          <a:p>
+            <a:pPr algn="ctr">
+              <a:buNone/>
+            </a:pPr>
+            <a:r>
+              <a:rPr lang="zh-TW" altLang="en-US" sz="4800" b="1" dirty="0">
+                <a:solidFill>
+                  <a:srgbClr val="660033"/>
+                </a:solidFill>
+                <a:latin typeface="微軟正黑體" pitchFamily="34" charset="-120"/>
+                <a:ea typeface="微軟正黑體" pitchFamily="34" charset="-120"/>
+              </a:rPr>
+              <a:t>全心敬</a:t>
+            </a:r>
+            <a:r>
+              <a:rPr lang="zh-TW" altLang="en-US" sz="4800" b="1" dirty="0" smtClean="0">
+                <a:solidFill>
+                  <a:srgbClr val="660033"/>
+                </a:solidFill>
+                <a:latin typeface="微軟正黑體" pitchFamily="34" charset="-120"/>
+                <a:ea typeface="微軟正黑體" pitchFamily="34" charset="-120"/>
+              </a:rPr>
+              <a:t>拜祢  大</a:t>
+            </a:r>
+            <a:r>
+              <a:rPr lang="zh-TW" altLang="en-US" sz="4800" b="1" dirty="0">
+                <a:solidFill>
+                  <a:srgbClr val="660033"/>
+                </a:solidFill>
+                <a:latin typeface="微軟正黑體" pitchFamily="34" charset="-120"/>
+                <a:ea typeface="微軟正黑體" pitchFamily="34" charset="-120"/>
+              </a:rPr>
+              <a:t>聲歡呼</a:t>
+            </a:r>
+            <a:endParaRPr lang="en-US" altLang="zh-TW" sz="4800" b="1" dirty="0">
+              <a:solidFill>
+                <a:srgbClr val="660033"/>
+              </a:solidFill>
+              <a:latin typeface="微軟正黑體" pitchFamily="34" charset="-120"/>
+              <a:ea typeface="微軟正黑體" pitchFamily="34" charset="-120"/>
+            </a:endParaRPr>
+          </a:p>
+          <a:p>
+            <a:pPr algn="ctr">
+              <a:buNone/>
+            </a:pPr>
+            <a:r>
+              <a:rPr lang="zh-TW" altLang="en-US" sz="4800" b="1" dirty="0">
+                <a:solidFill>
+                  <a:srgbClr val="660033"/>
+                </a:solidFill>
+                <a:latin typeface="微軟正黑體" pitchFamily="34" charset="-120"/>
+                <a:ea typeface="微軟正黑體" pitchFamily="34" charset="-120"/>
+              </a:rPr>
+              <a:t>羔羊被高舉</a:t>
+            </a:r>
+            <a:endParaRPr lang="zh-TW" altLang="en-US" sz="4800" b="1" dirty="0">
+              <a:solidFill>
+                <a:srgbClr val="660033"/>
+              </a:solidFill>
+              <a:latin typeface="微軟正黑體" pitchFamily="34" charset="-120"/>
+              <a:ea typeface="微軟正黑體" pitchFamily="34" charset="-120"/>
+            </a:endParaRPr>
+          </a:p>
+        </p:txBody>
+      </p:sp>
+      <p:sp>
+        <p:nvSpPr>
+          <p:cNvPr id="3" name="TextBox 2"/>
+          <p:cNvSpPr txBox="1"/>
+          <p:nvPr/>
+        </p:nvSpPr>
+        <p:spPr>
+          <a:xfrm>
+            <a:off x="0" y="3867894"/>
+            <a:ext cx="9144000" cy="461665"/>
+          </a:xfrm>
+          <a:prstGeom prst="rect">
+            <a:avLst/>
+          </a:prstGeom>
+          <a:noFill/>
+        </p:spPr>
+        <p:txBody>
+          <a:bodyPr wrap="square" rtlCol="0">
+            <a:spAutoFit/>
+          </a:bodyPr>
+          <a:lstStyle/>
+          <a:p>
+            <a:pPr algn="ctr"/>
+            <a:r>
+              <a:rPr lang="en-US" sz="2400" b="1" dirty="0" smtClean="0">
+                <a:solidFill>
+                  <a:srgbClr val="660033"/>
+                </a:solidFill>
+                <a:latin typeface="Microsoft JhengHei" panose="020B0604030504040204" pitchFamily="34" charset="-120"/>
+                <a:ea typeface="Microsoft JhengHei" panose="020B0604030504040204" pitchFamily="34" charset="-120"/>
+              </a:rPr>
+              <a:t>( </a:t>
+            </a:r>
+            <a:r>
+              <a:rPr lang="zh-CN" altLang="en-US" sz="2400" b="1" dirty="0" smtClean="0">
+                <a:solidFill>
+                  <a:srgbClr val="660033"/>
+                </a:solidFill>
+                <a:latin typeface="Microsoft JhengHei" panose="020B0604030504040204" pitchFamily="34" charset="-120"/>
+                <a:ea typeface="Microsoft JhengHei" panose="020B0604030504040204" pitchFamily="34" charset="-120"/>
+              </a:rPr>
+              <a:t>副</a:t>
+            </a:r>
+            <a:r>
+              <a:rPr lang="en-US" sz="2400" b="1" dirty="0" smtClean="0">
+                <a:solidFill>
+                  <a:srgbClr val="660033"/>
+                </a:solidFill>
+                <a:latin typeface="Microsoft JhengHei" panose="020B0604030504040204" pitchFamily="34" charset="-120"/>
+                <a:ea typeface="Microsoft JhengHei" panose="020B0604030504040204" pitchFamily="34" charset="-120"/>
+              </a:rPr>
+              <a:t> </a:t>
+            </a:r>
+            <a:r>
+              <a:rPr lang="en-US" sz="2400" b="1" dirty="0" smtClean="0">
+                <a:solidFill>
+                  <a:srgbClr val="660033"/>
+                </a:solidFill>
+                <a:latin typeface="Microsoft JhengHei" panose="020B0604030504040204" pitchFamily="34" charset="-120"/>
+                <a:ea typeface="Microsoft JhengHei" panose="020B0604030504040204" pitchFamily="34" charset="-120"/>
+              </a:rPr>
+              <a:t>)</a:t>
+            </a:r>
+            <a:endParaRPr lang="vi-VN" sz="2400" b="1" dirty="0">
+              <a:solidFill>
+                <a:srgbClr val="660033"/>
+              </a:solidFill>
+              <a:ea typeface="Microsoft JhengHei" panose="020B0604030504040204" pitchFamily="34" charset="-120"/>
+            </a:endParaRPr>
+          </a:p>
+        </p:txBody>
+      </p:sp>
+    </p:spTree>
+    <p:extLst>
+      <p:ext uri="{BB962C8B-B14F-4D97-AF65-F5344CB8AC3E}">
+        <p14:creationId xmlns:p14="http://schemas.microsoft.com/office/powerpoint/2010/main" val="3949177716"/>
+      </p:ext>
+    </p:extLst>
+  </p:cSld>
+  <p:clrMapOvr>
+    <a:masterClrMapping/>
+  </p:clrMapOvr>
+</p:sld>
+</file>
+
+<file path=ppt/slides/slide8.xml><?xml version="1.0" encoding="utf-8"?>
+<p:sld xmlns:a="http://schemas.openxmlformats.org/drawingml/2006/main" xmlns:r="http://schemas.openxmlformats.org/officeDocument/2006/relationships" xmlns:p="http://schemas.openxmlformats.org/presentationml/2006/main">
+  <p:cSld>
+    <p:spTree>
+      <p:nvGrpSpPr>
+        <p:cNvPr id="1" name=""/>
+        <p:cNvGrpSpPr/>
+        <p:nvPr/>
+      </p:nvGrpSpPr>
+      <p:grpSpPr>
+        <a:xfrm>
+          <a:off x="0" y="0"/>
+          <a:ext cx="0" cy="0"/>
+          <a:chOff x="0" y="0"/>
+          <a:chExt cx="0" cy="0"/>
+        </a:xfrm>
+      </p:grpSpPr>
+      <p:sp>
+        <p:nvSpPr>
+          <p:cNvPr id="5" name="內容版面配置區 4"/>
+          <p:cNvSpPr>
+            <a:spLocks noGrp="1"/>
+          </p:cNvSpPr>
+          <p:nvPr>
+            <p:ph idx="1"/>
+          </p:nvPr>
+        </p:nvSpPr>
+        <p:spPr>
+          <a:xfrm>
+            <a:off x="0" y="1563638"/>
+            <a:ext cx="9144000" cy="1803647"/>
+          </a:xfrm>
+        </p:spPr>
+        <p:txBody>
+          <a:bodyPr anchor="ctr">
+            <a:normAutofit/>
+          </a:bodyPr>
+          <a:lstStyle/>
+          <a:p>
+            <a:pPr algn="ctr">
+              <a:buNone/>
+            </a:pPr>
+            <a:r>
+              <a:rPr lang="zh-TW" altLang="en-US" sz="4800" b="1" dirty="0">
+                <a:solidFill>
+                  <a:srgbClr val="660033"/>
+                </a:solidFill>
+                <a:latin typeface="微軟正黑體" pitchFamily="34" charset="-120"/>
+                <a:ea typeface="微軟正黑體" pitchFamily="34" charset="-120"/>
+              </a:rPr>
+              <a:t>公義的日頭   如光照耀</a:t>
+            </a:r>
+            <a:endParaRPr lang="en-US" altLang="zh-TW" sz="4800" b="1" dirty="0">
+              <a:solidFill>
+                <a:srgbClr val="660033"/>
+              </a:solidFill>
+              <a:latin typeface="微軟正黑體" pitchFamily="34" charset="-120"/>
+              <a:ea typeface="微軟正黑體" pitchFamily="34" charset="-120"/>
+            </a:endParaRPr>
+          </a:p>
+          <a:p>
+            <a:pPr algn="ctr">
+              <a:buNone/>
+            </a:pPr>
+            <a:r>
+              <a:rPr lang="zh-TW" altLang="en-US" sz="4800" b="1" dirty="0">
+                <a:solidFill>
+                  <a:srgbClr val="660033"/>
+                </a:solidFill>
+                <a:latin typeface="微軟正黑體" pitchFamily="34" charset="-120"/>
+                <a:ea typeface="微軟正黑體" pitchFamily="34" charset="-120"/>
+              </a:rPr>
+              <a:t>萬國讚</a:t>
+            </a:r>
+            <a:r>
+              <a:rPr lang="zh-TW" altLang="en-US" sz="4800" b="1" dirty="0" smtClean="0">
+                <a:solidFill>
+                  <a:srgbClr val="660033"/>
+                </a:solidFill>
+                <a:latin typeface="微軟正黑體" pitchFamily="34" charset="-120"/>
+                <a:ea typeface="微軟正黑體" pitchFamily="34" charset="-120"/>
+              </a:rPr>
+              <a:t>嘆</a:t>
+            </a:r>
+            <a:r>
+              <a:rPr lang="zh-TW" altLang="en-US" sz="4800" b="1" dirty="0">
+                <a:solidFill>
+                  <a:srgbClr val="660033"/>
+                </a:solidFill>
+                <a:latin typeface="微軟正黑體" pitchFamily="34" charset="-120"/>
+                <a:ea typeface="微軟正黑體" pitchFamily="34" charset="-120"/>
+              </a:rPr>
+              <a:t>祢</a:t>
+            </a:r>
+            <a:r>
+              <a:rPr lang="zh-TW" altLang="en-US" sz="4800" b="1" dirty="0" smtClean="0">
+                <a:solidFill>
+                  <a:srgbClr val="660033"/>
+                </a:solidFill>
+                <a:latin typeface="微軟正黑體" pitchFamily="34" charset="-120"/>
+                <a:ea typeface="微軟正黑體" pitchFamily="34" charset="-120"/>
+              </a:rPr>
+              <a:t>的</a:t>
+            </a:r>
+            <a:r>
+              <a:rPr lang="zh-TW" altLang="en-US" sz="4800" b="1" dirty="0">
+                <a:solidFill>
+                  <a:srgbClr val="660033"/>
+                </a:solidFill>
+                <a:latin typeface="微軟正黑體" pitchFamily="34" charset="-120"/>
+                <a:ea typeface="微軟正黑體" pitchFamily="34" charset="-120"/>
+              </a:rPr>
+              <a:t>榮美</a:t>
+            </a:r>
+            <a:endParaRPr lang="en-US" altLang="zh-TW" sz="4800" b="1" dirty="0">
+              <a:solidFill>
+                <a:srgbClr val="660033"/>
+              </a:solidFill>
+              <a:latin typeface="微軟正黑體" pitchFamily="34" charset="-120"/>
+              <a:ea typeface="微軟正黑體" pitchFamily="34" charset="-120"/>
+            </a:endParaRPr>
+          </a:p>
+        </p:txBody>
+      </p:sp>
+      <p:sp>
+        <p:nvSpPr>
+          <p:cNvPr id="3" name="TextBox 2"/>
+          <p:cNvSpPr txBox="1"/>
+          <p:nvPr/>
+        </p:nvSpPr>
+        <p:spPr>
+          <a:xfrm>
+            <a:off x="0" y="3867894"/>
+            <a:ext cx="9144000" cy="461665"/>
+          </a:xfrm>
+          <a:prstGeom prst="rect">
+            <a:avLst/>
+          </a:prstGeom>
+          <a:noFill/>
+        </p:spPr>
+        <p:txBody>
+          <a:bodyPr wrap="square" rtlCol="0">
+            <a:spAutoFit/>
+          </a:bodyPr>
+          <a:lstStyle/>
+          <a:p>
+            <a:pPr algn="ctr"/>
+            <a:r>
+              <a:rPr lang="en-US" sz="2400" b="1" dirty="0" smtClean="0">
+                <a:solidFill>
+                  <a:srgbClr val="660033"/>
+                </a:solidFill>
+                <a:latin typeface="Microsoft JhengHei" panose="020B0604030504040204" pitchFamily="34" charset="-120"/>
+                <a:ea typeface="Microsoft JhengHei" panose="020B0604030504040204" pitchFamily="34" charset="-120"/>
+              </a:rPr>
+              <a:t>( </a:t>
+            </a:r>
+            <a:r>
+              <a:rPr lang="zh-CN" altLang="en-US" sz="2400" b="1" dirty="0" smtClean="0">
+                <a:solidFill>
+                  <a:srgbClr val="660033"/>
+                </a:solidFill>
+                <a:latin typeface="Microsoft JhengHei" panose="020B0604030504040204" pitchFamily="34" charset="-120"/>
+                <a:ea typeface="Microsoft JhengHei" panose="020B0604030504040204" pitchFamily="34" charset="-120"/>
+              </a:rPr>
+              <a:t>副</a:t>
+            </a:r>
+            <a:r>
+              <a:rPr lang="en-US" sz="2400" b="1" dirty="0" smtClean="0">
+                <a:solidFill>
+                  <a:srgbClr val="660033"/>
+                </a:solidFill>
+                <a:latin typeface="Microsoft JhengHei" panose="020B0604030504040204" pitchFamily="34" charset="-120"/>
+                <a:ea typeface="Microsoft JhengHei" panose="020B0604030504040204" pitchFamily="34" charset="-120"/>
+              </a:rPr>
+              <a:t> </a:t>
+            </a:r>
+            <a:r>
+              <a:rPr lang="en-US" sz="2400" b="1" dirty="0" smtClean="0">
+                <a:solidFill>
+                  <a:srgbClr val="660033"/>
+                </a:solidFill>
+                <a:latin typeface="Microsoft JhengHei" panose="020B0604030504040204" pitchFamily="34" charset="-120"/>
+                <a:ea typeface="Microsoft JhengHei" panose="020B0604030504040204" pitchFamily="34" charset="-120"/>
+              </a:rPr>
+              <a:t>)</a:t>
+            </a:r>
+            <a:endParaRPr lang="vi-VN" sz="2400" b="1" dirty="0">
+              <a:solidFill>
+                <a:srgbClr val="660033"/>
+              </a:solidFill>
+              <a:ea typeface="Microsoft JhengHei" panose="020B0604030504040204" pitchFamily="34" charset="-120"/>
+            </a:endParaRPr>
+          </a:p>
+        </p:txBody>
+      </p:sp>
+    </p:spTree>
+    <p:extLst>
+      <p:ext uri="{BB962C8B-B14F-4D97-AF65-F5344CB8AC3E}">
+        <p14:creationId xmlns:p14="http://schemas.microsoft.com/office/powerpoint/2010/main" val="4020499832"/>
+      </p:ext>
+    </p:extLst>
+  </p:cSld>
+  <p:clrMapOvr>
+    <a:masterClrMapping/>
+  </p:clrMapOvr>
+</p:sld>
+</file>
+
+<file path=ppt/slides/slide9.xml><?xml version="1.0" encoding="utf-8"?>
+<p:sld xmlns:a="http://schemas.openxmlformats.org/drawingml/2006/main" xmlns:r="http://schemas.openxmlformats.org/officeDocument/2006/relationships" xmlns:p="http://schemas.openxmlformats.org/presentationml/2006/main">
+  <p:cSld>
+    <p:spTree>
+      <p:nvGrpSpPr>
+        <p:cNvPr id="1" name=""/>
+        <p:cNvGrpSpPr/>
+        <p:nvPr/>
+      </p:nvGrpSpPr>
+      <p:grpSpPr>
+        <a:xfrm>
+          <a:off x="0" y="0"/>
+          <a:ext cx="0" cy="0"/>
+          <a:chOff x="0" y="0"/>
+          <a:chExt cx="0" cy="0"/>
+        </a:xfrm>
+      </p:grpSpPr>
+      <p:sp>
+        <p:nvSpPr>
+          <p:cNvPr id="5" name="內容版面配置區 4"/>
+          <p:cNvSpPr>
+            <a:spLocks noGrp="1"/>
+          </p:cNvSpPr>
+          <p:nvPr>
+            <p:ph idx="1"/>
+          </p:nvPr>
+        </p:nvSpPr>
+        <p:spPr>
+          <a:xfrm>
+            <a:off x="0" y="1563638"/>
+            <a:ext cx="9144000" cy="1803647"/>
+          </a:xfrm>
+        </p:spPr>
+        <p:txBody>
+          <a:bodyPr anchor="ctr">
+            <a:normAutofit/>
+          </a:bodyPr>
+          <a:lstStyle/>
+          <a:p>
+            <a:pPr algn="ctr">
+              <a:buNone/>
+            </a:pPr>
+            <a:r>
+              <a:rPr lang="zh-TW" altLang="en-US" sz="4800" b="1" dirty="0">
+                <a:solidFill>
+                  <a:srgbClr val="660033"/>
+                </a:solidFill>
+                <a:latin typeface="微軟正黑體" pitchFamily="34" charset="-120"/>
+                <a:ea typeface="微軟正黑體" pitchFamily="34" charset="-120"/>
+              </a:rPr>
+              <a:t>聖潔公義主   明亮晨星</a:t>
+            </a:r>
+            <a:endParaRPr lang="en-US" altLang="zh-TW" sz="4800" b="1" dirty="0">
+              <a:solidFill>
+                <a:srgbClr val="660033"/>
+              </a:solidFill>
+              <a:latin typeface="微軟正黑體" pitchFamily="34" charset="-120"/>
+              <a:ea typeface="微軟正黑體" pitchFamily="34" charset="-120"/>
+            </a:endParaRPr>
+          </a:p>
+          <a:p>
+            <a:pPr algn="ctr">
+              <a:buNone/>
+            </a:pPr>
+            <a:r>
+              <a:rPr lang="zh-TW" altLang="en-US" sz="4800" b="1" dirty="0">
+                <a:solidFill>
+                  <a:srgbClr val="660033"/>
+                </a:solidFill>
+                <a:latin typeface="微軟正黑體" pitchFamily="34" charset="-120"/>
+                <a:ea typeface="微軟正黑體" pitchFamily="34" charset="-120"/>
+              </a:rPr>
               <a:t>昔在   今在   永在的君王</a:t>
             </a:r>
+            <a:endParaRPr lang="zh-TW" altLang="en-US" sz="4800" b="1" dirty="0">
+              <a:solidFill>
+                <a:srgbClr val="660033"/>
+              </a:solidFill>
+              <a:latin typeface="微軟正黑體" pitchFamily="34" charset="-120"/>
+              <a:ea typeface="微軟正黑體" pitchFamily="34" charset="-120"/>
+            </a:endParaRPr>
+          </a:p>
+        </p:txBody>
+      </p:sp>
+      <p:sp>
+        <p:nvSpPr>
+          <p:cNvPr id="3" name="TextBox 2"/>
+          <p:cNvSpPr txBox="1"/>
+          <p:nvPr/>
+        </p:nvSpPr>
+        <p:spPr>
+          <a:xfrm>
+            <a:off x="0" y="3867894"/>
+            <a:ext cx="9144000" cy="461665"/>
+          </a:xfrm>
+          <a:prstGeom prst="rect">
+            <a:avLst/>
+          </a:prstGeom>
+          <a:noFill/>
+        </p:spPr>
+        <p:txBody>
+          <a:bodyPr wrap="square" rtlCol="0">
+            <a:spAutoFit/>
+          </a:bodyPr>
+          <a:lstStyle/>
+          <a:p>
+            <a:pPr algn="ctr"/>
+            <a:r>
+              <a:rPr lang="en-US" sz="2400" b="1" dirty="0" smtClean="0">
+                <a:solidFill>
+                  <a:srgbClr val="660033"/>
+                </a:solidFill>
+                <a:latin typeface="Microsoft JhengHei" panose="020B0604030504040204" pitchFamily="34" charset="-120"/>
+                <a:ea typeface="Microsoft JhengHei" panose="020B0604030504040204" pitchFamily="34" charset="-120"/>
+              </a:rPr>
+              <a:t>( </a:t>
+            </a:r>
+            <a:r>
+              <a:rPr lang="zh-CN" altLang="en-US" sz="2400" b="1" dirty="0" smtClean="0">
+                <a:solidFill>
+                  <a:srgbClr val="660033"/>
+                </a:solidFill>
+                <a:latin typeface="Microsoft JhengHei" panose="020B0604030504040204" pitchFamily="34" charset="-120"/>
+                <a:ea typeface="Microsoft JhengHei" panose="020B0604030504040204" pitchFamily="34" charset="-120"/>
+              </a:rPr>
+              <a:t>副</a:t>
+            </a:r>
+            <a:r>
+              <a:rPr lang="en-US" sz="2400" b="1" dirty="0" smtClean="0">
+                <a:solidFill>
+                  <a:srgbClr val="660033"/>
+                </a:solidFill>
+                <a:latin typeface="Microsoft JhengHei" panose="020B0604030504040204" pitchFamily="34" charset="-120"/>
+                <a:ea typeface="Microsoft JhengHei" panose="020B0604030504040204" pitchFamily="34" charset="-120"/>
+              </a:rPr>
+              <a:t> </a:t>
+            </a:r>
+            <a:r>
+              <a:rPr lang="en-US" sz="2400" b="1" dirty="0" smtClean="0">
+                <a:solidFill>
+                  <a:srgbClr val="660033"/>
+                </a:solidFill>
+                <a:latin typeface="Microsoft JhengHei" panose="020B0604030504040204" pitchFamily="34" charset="-120"/>
+                <a:ea typeface="Microsoft JhengHei" panose="020B0604030504040204" pitchFamily="34" charset="-120"/>
+              </a:rPr>
+              <a:t>)</a:t>
+            </a:r>
+            <a:endParaRPr lang="vi-VN" sz="2400" b="1" dirty="0">
+              <a:solidFill>
+                <a:srgbClr val="660033"/>
+              </a:solidFill>
+              <a:ea typeface="Microsoft JhengHei" panose="020B0604030504040204" pitchFamily="34" charset="-120"/>
+            </a:endParaRPr>
           </a:p>
         </p:txBody>
       </p:sp>
     </p:spTree>
+    <p:extLst>
+      <p:ext uri="{BB962C8B-B14F-4D97-AF65-F5344CB8AC3E}">
+        <p14:creationId xmlns:p14="http://schemas.microsoft.com/office/powerpoint/2010/main" val="1920981251"/>
+      </p:ext>
+    </p:extLst>
   </p:cSld>
   <p:clrMapOvr>
     <a:masterClrMapping/>
